--- a/CursoNDDigital/Slides/Unidades/Unidade XII - SGBD - Apresentação.pptx
+++ b/CursoNDDigital/Slides/Unidades/Unidade XII - SGBD - Apresentação.pptx
@@ -22,6 +22,7 @@
     <p:sldId id="516" r:id="rId16"/>
     <p:sldId id="517" r:id="rId17"/>
     <p:sldId id="518" r:id="rId18"/>
+    <p:sldId id="519" r:id="rId19"/>
   </p:sldIdLst>
   <p:sldSz cx="12192000" cy="6858000"/>
   <p:notesSz cx="6858000" cy="9144000"/>
@@ -142,6 +143,7 @@
             <p14:sldId id="516"/>
             <p14:sldId id="517"/>
             <p14:sldId id="518"/>
+            <p14:sldId id="519"/>
           </p14:sldIdLst>
         </p14:section>
       </p14:sectionLst>
@@ -5391,6 +5393,757 @@
 </file>
 
 <file path=ppt/diagrams/colors16.xml><?xml version="1.0" encoding="utf-8"?>
+<dgm:colorsDef xmlns:dgm="http://schemas.openxmlformats.org/drawingml/2006/diagram" xmlns:a="http://schemas.openxmlformats.org/drawingml/2006/main" uniqueId="urn:microsoft.com/office/officeart/2005/8/colors/accent0_3">
+  <dgm:title val=""/>
+  <dgm:desc val=""/>
+  <dgm:catLst>
+    <dgm:cat type="mainScheme" pri="10300"/>
+  </dgm:catLst>
+  <dgm:styleLbl name="node0">
+    <dgm:fillClrLst meth="repeat">
+      <a:schemeClr val="dk2"/>
+    </dgm:fillClrLst>
+    <dgm:linClrLst meth="repeat">
+      <a:schemeClr val="lt2"/>
+    </dgm:linClrLst>
+    <dgm:effectClrLst/>
+    <dgm:txLinClrLst/>
+    <dgm:txFillClrLst/>
+    <dgm:txEffectClrLst/>
+  </dgm:styleLbl>
+  <dgm:styleLbl name="alignNode1">
+    <dgm:fillClrLst meth="repeat">
+      <a:schemeClr val="dk2"/>
+    </dgm:fillClrLst>
+    <dgm:linClrLst meth="repeat">
+      <a:schemeClr val="dk2"/>
+    </dgm:linClrLst>
+    <dgm:effectClrLst/>
+    <dgm:txLinClrLst/>
+    <dgm:txFillClrLst/>
+    <dgm:txEffectClrLst/>
+  </dgm:styleLbl>
+  <dgm:styleLbl name="node1">
+    <dgm:fillClrLst meth="repeat">
+      <a:schemeClr val="dk2"/>
+    </dgm:fillClrLst>
+    <dgm:linClrLst meth="repeat">
+      <a:schemeClr val="lt2"/>
+    </dgm:linClrLst>
+    <dgm:effectClrLst/>
+    <dgm:txLinClrLst/>
+    <dgm:txFillClrLst/>
+    <dgm:txEffectClrLst/>
+  </dgm:styleLbl>
+  <dgm:styleLbl name="lnNode1">
+    <dgm:fillClrLst meth="repeat">
+      <a:schemeClr val="dk2"/>
+    </dgm:fillClrLst>
+    <dgm:linClrLst meth="repeat">
+      <a:schemeClr val="lt2"/>
+    </dgm:linClrLst>
+    <dgm:effectClrLst/>
+    <dgm:txLinClrLst/>
+    <dgm:txFillClrLst/>
+    <dgm:txEffectClrLst/>
+  </dgm:styleLbl>
+  <dgm:styleLbl name="vennNode1">
+    <dgm:fillClrLst meth="repeat">
+      <a:schemeClr val="dk2">
+        <a:alpha val="50000"/>
+      </a:schemeClr>
+    </dgm:fillClrLst>
+    <dgm:linClrLst meth="repeat">
+      <a:schemeClr val="lt2"/>
+    </dgm:linClrLst>
+    <dgm:effectClrLst/>
+    <dgm:txLinClrLst/>
+    <dgm:txFillClrLst/>
+    <dgm:txEffectClrLst/>
+  </dgm:styleLbl>
+  <dgm:styleLbl name="node2">
+    <dgm:fillClrLst meth="repeat">
+      <a:schemeClr val="dk2"/>
+    </dgm:fillClrLst>
+    <dgm:linClrLst meth="repeat">
+      <a:schemeClr val="lt2"/>
+    </dgm:linClrLst>
+    <dgm:effectClrLst/>
+    <dgm:txLinClrLst/>
+    <dgm:txFillClrLst/>
+    <dgm:txEffectClrLst/>
+  </dgm:styleLbl>
+  <dgm:styleLbl name="node3">
+    <dgm:fillClrLst meth="repeat">
+      <a:schemeClr val="dk2"/>
+    </dgm:fillClrLst>
+    <dgm:linClrLst meth="repeat">
+      <a:schemeClr val="lt2"/>
+    </dgm:linClrLst>
+    <dgm:effectClrLst/>
+    <dgm:txLinClrLst/>
+    <dgm:txFillClrLst/>
+    <dgm:txEffectClrLst/>
+  </dgm:styleLbl>
+  <dgm:styleLbl name="node4">
+    <dgm:fillClrLst meth="repeat">
+      <a:schemeClr val="dk2"/>
+    </dgm:fillClrLst>
+    <dgm:linClrLst meth="repeat">
+      <a:schemeClr val="lt2"/>
+    </dgm:linClrLst>
+    <dgm:effectClrLst/>
+    <dgm:txLinClrLst/>
+    <dgm:txFillClrLst/>
+    <dgm:txEffectClrLst/>
+  </dgm:styleLbl>
+  <dgm:styleLbl name="fgImgPlace1">
+    <dgm:fillClrLst meth="repeat">
+      <a:schemeClr val="dk2">
+        <a:tint val="50000"/>
+      </a:schemeClr>
+    </dgm:fillClrLst>
+    <dgm:linClrLst meth="repeat">
+      <a:schemeClr val="lt2"/>
+    </dgm:linClrLst>
+    <dgm:effectClrLst/>
+    <dgm:txLinClrLst/>
+    <dgm:txFillClrLst meth="repeat">
+      <a:schemeClr val="lt2"/>
+    </dgm:txFillClrLst>
+    <dgm:txEffectClrLst/>
+  </dgm:styleLbl>
+  <dgm:styleLbl name="alignImgPlace1">
+    <dgm:fillClrLst meth="repeat">
+      <a:schemeClr val="dk2">
+        <a:tint val="50000"/>
+      </a:schemeClr>
+    </dgm:fillClrLst>
+    <dgm:linClrLst meth="repeat">
+      <a:schemeClr val="dk2">
+        <a:shade val="80000"/>
+      </a:schemeClr>
+    </dgm:linClrLst>
+    <dgm:effectClrLst/>
+    <dgm:txLinClrLst/>
+    <dgm:txFillClrLst meth="repeat">
+      <a:schemeClr val="lt2"/>
+    </dgm:txFillClrLst>
+    <dgm:txEffectClrLst/>
+  </dgm:styleLbl>
+  <dgm:styleLbl name="bgImgPlace1">
+    <dgm:fillClrLst meth="repeat">
+      <a:schemeClr val="dk2">
+        <a:tint val="50000"/>
+      </a:schemeClr>
+    </dgm:fillClrLst>
+    <dgm:linClrLst meth="repeat">
+      <a:schemeClr val="dk2">
+        <a:shade val="80000"/>
+      </a:schemeClr>
+    </dgm:linClrLst>
+    <dgm:effectClrLst/>
+    <dgm:txLinClrLst/>
+    <dgm:txFillClrLst meth="repeat">
+      <a:schemeClr val="lt2"/>
+    </dgm:txFillClrLst>
+    <dgm:txEffectClrLst/>
+  </dgm:styleLbl>
+  <dgm:styleLbl name="sibTrans2D1">
+    <dgm:fillClrLst meth="repeat">
+      <a:schemeClr val="dk2">
+        <a:tint val="60000"/>
+      </a:schemeClr>
+    </dgm:fillClrLst>
+    <dgm:linClrLst meth="repeat">
+      <a:schemeClr val="dk2">
+        <a:tint val="60000"/>
+      </a:schemeClr>
+    </dgm:linClrLst>
+    <dgm:effectClrLst/>
+    <dgm:txLinClrLst/>
+    <dgm:txFillClrLst/>
+    <dgm:txEffectClrLst/>
+  </dgm:styleLbl>
+  <dgm:styleLbl name="fgSibTrans2D1">
+    <dgm:fillClrLst meth="repeat">
+      <a:schemeClr val="dk2">
+        <a:tint val="60000"/>
+      </a:schemeClr>
+    </dgm:fillClrLst>
+    <dgm:linClrLst meth="repeat">
+      <a:schemeClr val="dk2">
+        <a:tint val="60000"/>
+      </a:schemeClr>
+    </dgm:linClrLst>
+    <dgm:effectClrLst/>
+    <dgm:txLinClrLst/>
+    <dgm:txFillClrLst/>
+    <dgm:txEffectClrLst/>
+  </dgm:styleLbl>
+  <dgm:styleLbl name="bgSibTrans2D1">
+    <dgm:fillClrLst meth="repeat">
+      <a:schemeClr val="dk2">
+        <a:tint val="60000"/>
+      </a:schemeClr>
+    </dgm:fillClrLst>
+    <dgm:linClrLst meth="repeat">
+      <a:schemeClr val="dk2">
+        <a:tint val="60000"/>
+      </a:schemeClr>
+    </dgm:linClrLst>
+    <dgm:effectClrLst/>
+    <dgm:txLinClrLst/>
+    <dgm:txFillClrLst/>
+    <dgm:txEffectClrLst/>
+  </dgm:styleLbl>
+  <dgm:styleLbl name="sibTrans1D1">
+    <dgm:fillClrLst meth="repeat">
+      <a:schemeClr val="dk2"/>
+    </dgm:fillClrLst>
+    <dgm:linClrLst meth="repeat">
+      <a:schemeClr val="dk2"/>
+    </dgm:linClrLst>
+    <dgm:effectClrLst/>
+    <dgm:txLinClrLst/>
+    <dgm:txFillClrLst meth="repeat">
+      <a:schemeClr val="lt2"/>
+    </dgm:txFillClrLst>
+    <dgm:txEffectClrLst/>
+  </dgm:styleLbl>
+  <dgm:styleLbl name="callout">
+    <dgm:fillClrLst meth="repeat">
+      <a:schemeClr val="dk2"/>
+    </dgm:fillClrLst>
+    <dgm:linClrLst meth="repeat">
+      <a:schemeClr val="dk2">
+        <a:tint val="50000"/>
+      </a:schemeClr>
+    </dgm:linClrLst>
+    <dgm:effectClrLst/>
+    <dgm:txLinClrLst/>
+    <dgm:txFillClrLst meth="repeat">
+      <a:schemeClr val="lt2"/>
+    </dgm:txFillClrLst>
+    <dgm:txEffectClrLst/>
+  </dgm:styleLbl>
+  <dgm:styleLbl name="asst0">
+    <dgm:fillClrLst meth="repeat">
+      <a:schemeClr val="dk2"/>
+    </dgm:fillClrLst>
+    <dgm:linClrLst meth="repeat">
+      <a:schemeClr val="lt2"/>
+    </dgm:linClrLst>
+    <dgm:effectClrLst/>
+    <dgm:txLinClrLst/>
+    <dgm:txFillClrLst/>
+    <dgm:txEffectClrLst/>
+  </dgm:styleLbl>
+  <dgm:styleLbl name="asst1">
+    <dgm:fillClrLst meth="repeat">
+      <a:schemeClr val="dk2"/>
+    </dgm:fillClrLst>
+    <dgm:linClrLst meth="repeat">
+      <a:schemeClr val="lt2"/>
+    </dgm:linClrLst>
+    <dgm:effectClrLst/>
+    <dgm:txLinClrLst/>
+    <dgm:txFillClrLst/>
+    <dgm:txEffectClrLst/>
+  </dgm:styleLbl>
+  <dgm:styleLbl name="asst2">
+    <dgm:fillClrLst meth="repeat">
+      <a:schemeClr val="dk2"/>
+    </dgm:fillClrLst>
+    <dgm:linClrLst meth="repeat">
+      <a:schemeClr val="lt2"/>
+    </dgm:linClrLst>
+    <dgm:effectClrLst/>
+    <dgm:txLinClrLst/>
+    <dgm:txFillClrLst/>
+    <dgm:txEffectClrLst/>
+  </dgm:styleLbl>
+  <dgm:styleLbl name="asst3">
+    <dgm:fillClrLst meth="repeat">
+      <a:schemeClr val="dk2"/>
+    </dgm:fillClrLst>
+    <dgm:linClrLst meth="repeat">
+      <a:schemeClr val="lt2"/>
+    </dgm:linClrLst>
+    <dgm:effectClrLst/>
+    <dgm:txLinClrLst/>
+    <dgm:txFillClrLst/>
+    <dgm:txEffectClrLst/>
+  </dgm:styleLbl>
+  <dgm:styleLbl name="asst4">
+    <dgm:fillClrLst meth="repeat">
+      <a:schemeClr val="dk2"/>
+    </dgm:fillClrLst>
+    <dgm:linClrLst meth="repeat">
+      <a:schemeClr val="lt2"/>
+    </dgm:linClrLst>
+    <dgm:effectClrLst/>
+    <dgm:txLinClrLst/>
+    <dgm:txFillClrLst/>
+    <dgm:txEffectClrLst/>
+  </dgm:styleLbl>
+  <dgm:styleLbl name="parChTrans2D1">
+    <dgm:fillClrLst meth="repeat">
+      <a:schemeClr val="dk2">
+        <a:tint val="60000"/>
+      </a:schemeClr>
+    </dgm:fillClrLst>
+    <dgm:linClrLst meth="repeat">
+      <a:schemeClr val="dk2">
+        <a:tint val="60000"/>
+      </a:schemeClr>
+    </dgm:linClrLst>
+    <dgm:effectClrLst/>
+    <dgm:txLinClrLst/>
+    <dgm:txFillClrLst meth="repeat">
+      <a:schemeClr val="lt2"/>
+    </dgm:txFillClrLst>
+    <dgm:txEffectClrLst/>
+  </dgm:styleLbl>
+  <dgm:styleLbl name="parChTrans2D2">
+    <dgm:fillClrLst meth="repeat">
+      <a:schemeClr val="dk2"/>
+    </dgm:fillClrLst>
+    <dgm:linClrLst meth="repeat">
+      <a:schemeClr val="dk2"/>
+    </dgm:linClrLst>
+    <dgm:effectClrLst/>
+    <dgm:txLinClrLst/>
+    <dgm:txFillClrLst meth="repeat">
+      <a:schemeClr val="lt2"/>
+    </dgm:txFillClrLst>
+    <dgm:txEffectClrLst/>
+  </dgm:styleLbl>
+  <dgm:styleLbl name="parChTrans2D3">
+    <dgm:fillClrLst meth="repeat">
+      <a:schemeClr val="dk2"/>
+    </dgm:fillClrLst>
+    <dgm:linClrLst meth="repeat">
+      <a:schemeClr val="dk2"/>
+    </dgm:linClrLst>
+    <dgm:effectClrLst/>
+    <dgm:txLinClrLst/>
+    <dgm:txFillClrLst meth="repeat">
+      <a:schemeClr val="lt2"/>
+    </dgm:txFillClrLst>
+    <dgm:txEffectClrLst/>
+  </dgm:styleLbl>
+  <dgm:styleLbl name="parChTrans2D4">
+    <dgm:fillClrLst meth="repeat">
+      <a:schemeClr val="dk2"/>
+    </dgm:fillClrLst>
+    <dgm:linClrLst meth="repeat">
+      <a:schemeClr val="dk2"/>
+    </dgm:linClrLst>
+    <dgm:effectClrLst/>
+    <dgm:txLinClrLst/>
+    <dgm:txFillClrLst meth="repeat">
+      <a:schemeClr val="lt2"/>
+    </dgm:txFillClrLst>
+    <dgm:txEffectClrLst/>
+  </dgm:styleLbl>
+  <dgm:styleLbl name="parChTrans1D1">
+    <dgm:fillClrLst meth="repeat">
+      <a:schemeClr val="dk2"/>
+    </dgm:fillClrLst>
+    <dgm:linClrLst meth="repeat">
+      <a:schemeClr val="dk2">
+        <a:shade val="60000"/>
+      </a:schemeClr>
+    </dgm:linClrLst>
+    <dgm:effectClrLst/>
+    <dgm:txLinClrLst/>
+    <dgm:txFillClrLst meth="repeat">
+      <a:schemeClr val="tx1"/>
+    </dgm:txFillClrLst>
+    <dgm:txEffectClrLst/>
+  </dgm:styleLbl>
+  <dgm:styleLbl name="parChTrans1D2">
+    <dgm:fillClrLst meth="repeat">
+      <a:schemeClr val="dk2"/>
+    </dgm:fillClrLst>
+    <dgm:linClrLst meth="repeat">
+      <a:schemeClr val="dk2">
+        <a:shade val="60000"/>
+      </a:schemeClr>
+    </dgm:linClrLst>
+    <dgm:effectClrLst/>
+    <dgm:txLinClrLst/>
+    <dgm:txFillClrLst meth="repeat">
+      <a:schemeClr val="tx1"/>
+    </dgm:txFillClrLst>
+    <dgm:txEffectClrLst/>
+  </dgm:styleLbl>
+  <dgm:styleLbl name="parChTrans1D3">
+    <dgm:fillClrLst meth="repeat">
+      <a:schemeClr val="dk2"/>
+    </dgm:fillClrLst>
+    <dgm:linClrLst meth="repeat">
+      <a:schemeClr val="dk2">
+        <a:shade val="80000"/>
+      </a:schemeClr>
+    </dgm:linClrLst>
+    <dgm:effectClrLst/>
+    <dgm:txLinClrLst/>
+    <dgm:txFillClrLst meth="repeat">
+      <a:schemeClr val="tx1"/>
+    </dgm:txFillClrLst>
+    <dgm:txEffectClrLst/>
+  </dgm:styleLbl>
+  <dgm:styleLbl name="parChTrans1D4">
+    <dgm:fillClrLst meth="repeat">
+      <a:schemeClr val="dk2"/>
+    </dgm:fillClrLst>
+    <dgm:linClrLst meth="repeat">
+      <a:schemeClr val="dk2">
+        <a:shade val="80000"/>
+      </a:schemeClr>
+    </dgm:linClrLst>
+    <dgm:effectClrLst/>
+    <dgm:txLinClrLst/>
+    <dgm:txFillClrLst meth="repeat">
+      <a:schemeClr val="tx1"/>
+    </dgm:txFillClrLst>
+    <dgm:txEffectClrLst/>
+  </dgm:styleLbl>
+  <dgm:styleLbl name="fgAcc1">
+    <dgm:fillClrLst meth="repeat">
+      <a:schemeClr val="lt2">
+        <a:alpha val="90000"/>
+      </a:schemeClr>
+    </dgm:fillClrLst>
+    <dgm:linClrLst meth="repeat">
+      <a:schemeClr val="dk2"/>
+    </dgm:linClrLst>
+    <dgm:effectClrLst/>
+    <dgm:txLinClrLst/>
+    <dgm:txFillClrLst meth="repeat">
+      <a:schemeClr val="dk1"/>
+    </dgm:txFillClrLst>
+    <dgm:txEffectClrLst/>
+  </dgm:styleLbl>
+  <dgm:styleLbl name="conFgAcc1">
+    <dgm:fillClrLst meth="repeat">
+      <a:schemeClr val="lt2">
+        <a:alpha val="90000"/>
+      </a:schemeClr>
+    </dgm:fillClrLst>
+    <dgm:linClrLst meth="repeat">
+      <a:schemeClr val="dk2"/>
+    </dgm:linClrLst>
+    <dgm:effectClrLst/>
+    <dgm:txLinClrLst/>
+    <dgm:txFillClrLst meth="repeat">
+      <a:schemeClr val="dk1"/>
+    </dgm:txFillClrLst>
+    <dgm:txEffectClrLst/>
+  </dgm:styleLbl>
+  <dgm:styleLbl name="alignAcc1">
+    <dgm:fillClrLst meth="repeat">
+      <a:schemeClr val="lt2">
+        <a:alpha val="90000"/>
+      </a:schemeClr>
+    </dgm:fillClrLst>
+    <dgm:linClrLst meth="repeat">
+      <a:schemeClr val="dk2"/>
+    </dgm:linClrLst>
+    <dgm:effectClrLst/>
+    <dgm:txLinClrLst/>
+    <dgm:txFillClrLst meth="repeat">
+      <a:schemeClr val="dk1"/>
+    </dgm:txFillClrLst>
+    <dgm:txEffectClrLst/>
+  </dgm:styleLbl>
+  <dgm:styleLbl name="trAlignAcc1">
+    <dgm:fillClrLst meth="repeat">
+      <a:schemeClr val="lt2">
+        <a:alpha val="40000"/>
+      </a:schemeClr>
+    </dgm:fillClrLst>
+    <dgm:linClrLst meth="repeat">
+      <a:schemeClr val="dk2"/>
+    </dgm:linClrLst>
+    <dgm:effectClrLst/>
+    <dgm:txLinClrLst/>
+    <dgm:txFillClrLst meth="repeat">
+      <a:schemeClr val="dk1"/>
+    </dgm:txFillClrLst>
+    <dgm:txEffectClrLst/>
+  </dgm:styleLbl>
+  <dgm:styleLbl name="bgAcc1">
+    <dgm:fillClrLst meth="repeat">
+      <a:schemeClr val="lt2">
+        <a:alpha val="90000"/>
+      </a:schemeClr>
+    </dgm:fillClrLst>
+    <dgm:linClrLst meth="repeat">
+      <a:schemeClr val="dk2"/>
+    </dgm:linClrLst>
+    <dgm:effectClrLst/>
+    <dgm:txLinClrLst/>
+    <dgm:txFillClrLst meth="repeat">
+      <a:schemeClr val="dk1"/>
+    </dgm:txFillClrLst>
+    <dgm:txEffectClrLst/>
+  </dgm:styleLbl>
+  <dgm:styleLbl name="solidFgAcc1">
+    <dgm:fillClrLst meth="repeat">
+      <a:schemeClr val="lt2"/>
+    </dgm:fillClrLst>
+    <dgm:linClrLst meth="repeat">
+      <a:schemeClr val="dk2"/>
+    </dgm:linClrLst>
+    <dgm:effectClrLst/>
+    <dgm:txLinClrLst/>
+    <dgm:txFillClrLst meth="repeat">
+      <a:schemeClr val="dk1"/>
+    </dgm:txFillClrLst>
+    <dgm:txEffectClrLst/>
+  </dgm:styleLbl>
+  <dgm:styleLbl name="solidAlignAcc1">
+    <dgm:fillClrLst meth="repeat">
+      <a:schemeClr val="lt2"/>
+    </dgm:fillClrLst>
+    <dgm:linClrLst meth="repeat">
+      <a:schemeClr val="dk2"/>
+    </dgm:linClrLst>
+    <dgm:effectClrLst/>
+    <dgm:txLinClrLst/>
+    <dgm:txFillClrLst meth="repeat">
+      <a:schemeClr val="dk1"/>
+    </dgm:txFillClrLst>
+    <dgm:txEffectClrLst/>
+  </dgm:styleLbl>
+  <dgm:styleLbl name="solidBgAcc1">
+    <dgm:fillClrLst meth="repeat">
+      <a:schemeClr val="lt2"/>
+    </dgm:fillClrLst>
+    <dgm:linClrLst meth="repeat">
+      <a:schemeClr val="dk2"/>
+    </dgm:linClrLst>
+    <dgm:effectClrLst/>
+    <dgm:txLinClrLst/>
+    <dgm:txFillClrLst meth="repeat">
+      <a:schemeClr val="dk1"/>
+    </dgm:txFillClrLst>
+    <dgm:txEffectClrLst/>
+  </dgm:styleLbl>
+  <dgm:styleLbl name="fgAccFollowNode1">
+    <dgm:fillClrLst meth="repeat">
+      <a:schemeClr val="dk2">
+        <a:alpha val="90000"/>
+        <a:tint val="40000"/>
+      </a:schemeClr>
+    </dgm:fillClrLst>
+    <dgm:linClrLst meth="repeat">
+      <a:schemeClr val="dk2">
+        <a:alpha val="90000"/>
+        <a:tint val="40000"/>
+      </a:schemeClr>
+    </dgm:linClrLst>
+    <dgm:effectClrLst/>
+    <dgm:txLinClrLst/>
+    <dgm:txFillClrLst meth="repeat">
+      <a:schemeClr val="dk1"/>
+    </dgm:txFillClrLst>
+    <dgm:txEffectClrLst/>
+  </dgm:styleLbl>
+  <dgm:styleLbl name="alignAccFollowNode1">
+    <dgm:fillClrLst meth="repeat">
+      <a:schemeClr val="dk2">
+        <a:alpha val="90000"/>
+        <a:tint val="40000"/>
+      </a:schemeClr>
+    </dgm:fillClrLst>
+    <dgm:linClrLst meth="repeat">
+      <a:schemeClr val="dk2">
+        <a:alpha val="90000"/>
+        <a:tint val="40000"/>
+      </a:schemeClr>
+    </dgm:linClrLst>
+    <dgm:effectClrLst/>
+    <dgm:txLinClrLst/>
+    <dgm:txFillClrLst meth="repeat">
+      <a:schemeClr val="dk1"/>
+    </dgm:txFillClrLst>
+    <dgm:txEffectClrLst/>
+  </dgm:styleLbl>
+  <dgm:styleLbl name="bgAccFollowNode1">
+    <dgm:fillClrLst meth="repeat">
+      <a:schemeClr val="dk2">
+        <a:alpha val="90000"/>
+        <a:tint val="40000"/>
+      </a:schemeClr>
+    </dgm:fillClrLst>
+    <dgm:linClrLst meth="repeat">
+      <a:schemeClr val="dk2">
+        <a:alpha val="90000"/>
+        <a:tint val="40000"/>
+      </a:schemeClr>
+    </dgm:linClrLst>
+    <dgm:effectClrLst/>
+    <dgm:txLinClrLst/>
+    <dgm:txFillClrLst meth="repeat">
+      <a:schemeClr val="dk1"/>
+    </dgm:txFillClrLst>
+    <dgm:txEffectClrLst/>
+  </dgm:styleLbl>
+  <dgm:styleLbl name="fgAcc0">
+    <dgm:fillClrLst meth="repeat">
+      <a:schemeClr val="lt2">
+        <a:alpha val="90000"/>
+      </a:schemeClr>
+    </dgm:fillClrLst>
+    <dgm:linClrLst meth="repeat">
+      <a:schemeClr val="dk2"/>
+    </dgm:linClrLst>
+    <dgm:effectClrLst/>
+    <dgm:txLinClrLst/>
+    <dgm:txFillClrLst meth="repeat">
+      <a:schemeClr val="dk1"/>
+    </dgm:txFillClrLst>
+    <dgm:txEffectClrLst/>
+  </dgm:styleLbl>
+  <dgm:styleLbl name="fgAcc2">
+    <dgm:fillClrLst meth="repeat">
+      <a:schemeClr val="lt2">
+        <a:alpha val="90000"/>
+      </a:schemeClr>
+    </dgm:fillClrLst>
+    <dgm:linClrLst meth="repeat">
+      <a:schemeClr val="dk2"/>
+    </dgm:linClrLst>
+    <dgm:effectClrLst/>
+    <dgm:txLinClrLst/>
+    <dgm:txFillClrLst meth="repeat">
+      <a:schemeClr val="dk1"/>
+    </dgm:txFillClrLst>
+    <dgm:txEffectClrLst/>
+  </dgm:styleLbl>
+  <dgm:styleLbl name="fgAcc3">
+    <dgm:fillClrLst meth="repeat">
+      <a:schemeClr val="lt2">
+        <a:alpha val="90000"/>
+      </a:schemeClr>
+    </dgm:fillClrLst>
+    <dgm:linClrLst meth="repeat">
+      <a:schemeClr val="dk2"/>
+    </dgm:linClrLst>
+    <dgm:effectClrLst/>
+    <dgm:txLinClrLst/>
+    <dgm:txFillClrLst meth="repeat">
+      <a:schemeClr val="dk1"/>
+    </dgm:txFillClrLst>
+    <dgm:txEffectClrLst/>
+  </dgm:styleLbl>
+  <dgm:styleLbl name="fgAcc4">
+    <dgm:fillClrLst meth="repeat">
+      <a:schemeClr val="lt2">
+        <a:alpha val="90000"/>
+      </a:schemeClr>
+    </dgm:fillClrLst>
+    <dgm:linClrLst meth="repeat">
+      <a:schemeClr val="dk2"/>
+    </dgm:linClrLst>
+    <dgm:effectClrLst/>
+    <dgm:txLinClrLst/>
+    <dgm:txFillClrLst meth="repeat">
+      <a:schemeClr val="dk1"/>
+    </dgm:txFillClrLst>
+    <dgm:txEffectClrLst/>
+  </dgm:styleLbl>
+  <dgm:styleLbl name="bgShp">
+    <dgm:fillClrLst meth="repeat">
+      <a:schemeClr val="dk2">
+        <a:tint val="40000"/>
+      </a:schemeClr>
+    </dgm:fillClrLst>
+    <dgm:linClrLst meth="repeat">
+      <a:schemeClr val="dk2"/>
+    </dgm:linClrLst>
+    <dgm:effectClrLst/>
+    <dgm:txLinClrLst/>
+    <dgm:txFillClrLst meth="repeat">
+      <a:schemeClr val="dk1"/>
+    </dgm:txFillClrLst>
+    <dgm:txEffectClrLst/>
+  </dgm:styleLbl>
+  <dgm:styleLbl name="dkBgShp">
+    <dgm:fillClrLst meth="repeat">
+      <a:schemeClr val="dk2">
+        <a:shade val="80000"/>
+      </a:schemeClr>
+    </dgm:fillClrLst>
+    <dgm:linClrLst meth="repeat">
+      <a:schemeClr val="dk2"/>
+    </dgm:linClrLst>
+    <dgm:effectClrLst/>
+    <dgm:txLinClrLst/>
+    <dgm:txFillClrLst meth="repeat">
+      <a:schemeClr val="lt1"/>
+    </dgm:txFillClrLst>
+    <dgm:txEffectClrLst/>
+  </dgm:styleLbl>
+  <dgm:styleLbl name="trBgShp">
+    <dgm:fillClrLst meth="repeat">
+      <a:schemeClr val="dk2">
+        <a:tint val="50000"/>
+        <a:alpha val="40000"/>
+      </a:schemeClr>
+    </dgm:fillClrLst>
+    <dgm:linClrLst meth="repeat">
+      <a:schemeClr val="dk2"/>
+    </dgm:linClrLst>
+    <dgm:effectClrLst/>
+    <dgm:txLinClrLst/>
+    <dgm:txFillClrLst meth="repeat">
+      <a:schemeClr val="lt1"/>
+    </dgm:txFillClrLst>
+    <dgm:txEffectClrLst/>
+  </dgm:styleLbl>
+  <dgm:styleLbl name="fgShp">
+    <dgm:fillClrLst meth="repeat">
+      <a:schemeClr val="dk2">
+        <a:tint val="60000"/>
+      </a:schemeClr>
+    </dgm:fillClrLst>
+    <dgm:linClrLst meth="repeat">
+      <a:schemeClr val="lt2"/>
+    </dgm:linClrLst>
+    <dgm:effectClrLst/>
+    <dgm:txLinClrLst/>
+    <dgm:txFillClrLst meth="repeat">
+      <a:schemeClr val="dk1"/>
+    </dgm:txFillClrLst>
+    <dgm:txEffectClrLst/>
+  </dgm:styleLbl>
+  <dgm:styleLbl name="revTx">
+    <dgm:fillClrLst meth="repeat">
+      <a:schemeClr val="lt2">
+        <a:alpha val="0"/>
+      </a:schemeClr>
+    </dgm:fillClrLst>
+    <dgm:linClrLst meth="repeat">
+      <a:schemeClr val="dk1">
+        <a:alpha val="0"/>
+      </a:schemeClr>
+    </dgm:linClrLst>
+    <dgm:effectClrLst/>
+    <dgm:txLinClrLst/>
+    <dgm:txFillClrLst meth="repeat">
+      <a:schemeClr val="tx1"/>
+    </dgm:txFillClrLst>
+    <dgm:txEffectClrLst/>
+  </dgm:styleLbl>
+</dgm:colorsDef>
+</file>
+
+<file path=ppt/diagrams/colors17.xml><?xml version="1.0" encoding="utf-8"?>
 <dgm:colorsDef xmlns:dgm="http://schemas.openxmlformats.org/drawingml/2006/diagram" xmlns:a="http://schemas.openxmlformats.org/drawingml/2006/main" uniqueId="urn:microsoft.com/office/officeart/2005/8/colors/accent0_3">
   <dgm:title val=""/>
   <dgm:desc val=""/>
@@ -14011,6 +14764,189 @@
     <dgm:cxn modelId="{11FD4ABE-8076-47DB-A77D-72721F6D5BF4}" type="presParOf" srcId="{084294A6-15C5-4C4F-BF06-075F26BF72AC}" destId="{3F00DF08-3E79-465F-8FDD-FBC0DC2968A6}" srcOrd="0" destOrd="0" presId="urn:microsoft.com/office/officeart/2005/8/layout/hList1"/>
     <dgm:cxn modelId="{5B729E29-9A7E-4728-9317-B0926DBE51DD}" type="presParOf" srcId="{3F00DF08-3E79-465F-8FDD-FBC0DC2968A6}" destId="{1166D14F-0ED5-4292-B376-62A259F9A852}" srcOrd="0" destOrd="0" presId="urn:microsoft.com/office/officeart/2005/8/layout/hList1"/>
     <dgm:cxn modelId="{EBBBFD7B-2E42-4551-8A2F-C51B51E5DF43}" type="presParOf" srcId="{3F00DF08-3E79-465F-8FDD-FBC0DC2968A6}" destId="{69DB7D7B-B02B-444A-AD9F-F13B48735A0F}" srcOrd="1" destOrd="0" presId="urn:microsoft.com/office/officeart/2005/8/layout/hList1"/>
+  </dgm:cxnLst>
+  <dgm:bg/>
+  <dgm:whole/>
+  <dgm:extLst>
+    <a:ext uri="http://schemas.microsoft.com/office/drawing/2008/diagram">
+      <dsp:dataModelExt xmlns:dsp="http://schemas.microsoft.com/office/drawing/2008/diagram" relId="rId7" minVer="http://schemas.openxmlformats.org/drawingml/2006/diagram"/>
+    </a:ext>
+  </dgm:extLst>
+</dgm:dataModel>
+</file>
+
+<file path=ppt/diagrams/data17.xml><?xml version="1.0" encoding="utf-8"?>
+<dgm:dataModel xmlns:dgm="http://schemas.openxmlformats.org/drawingml/2006/diagram" xmlns:a="http://schemas.openxmlformats.org/drawingml/2006/main">
+  <dgm:ptLst>
+    <dgm:pt modelId="{AD2C693B-75A3-4C97-8947-7ED3B6747850}" type="doc">
+      <dgm:prSet loTypeId="urn:microsoft.com/office/officeart/2005/8/layout/hList1" loCatId="list" qsTypeId="urn:microsoft.com/office/officeart/2005/8/quickstyle/simple1" qsCatId="simple" csTypeId="urn:microsoft.com/office/officeart/2005/8/colors/accent0_3" csCatId="mainScheme"/>
+      <dgm:spPr/>
+      <dgm:t>
+        <a:bodyPr/>
+        <a:lstStyle/>
+        <a:p>
+          <a:endParaRPr lang="pt-BR"/>
+        </a:p>
+      </dgm:t>
+    </dgm:pt>
+    <dgm:pt modelId="{CB9AE3AB-B33E-44C3-9946-7979B1AFB0F7}">
+      <dgm:prSet/>
+      <dgm:spPr/>
+      <dgm:t>
+        <a:bodyPr/>
+        <a:lstStyle/>
+        <a:p>
+          <a:pPr rtl="0"/>
+          <a:r>
+            <a:rPr lang="pt-BR" b="1" smtClean="0"/>
+            <a:t>Chave estrangeira</a:t>
+          </a:r>
+          <a:endParaRPr lang="pt-BR"/>
+        </a:p>
+      </dgm:t>
+    </dgm:pt>
+    <dgm:pt modelId="{5CCD8061-3BF3-488F-BC92-CCCFA2DA525E}" type="parTrans" cxnId="{DD444975-62D5-4EAC-A79C-35092D6DADE1}">
+      <dgm:prSet/>
+      <dgm:spPr/>
+      <dgm:t>
+        <a:bodyPr/>
+        <a:lstStyle/>
+        <a:p>
+          <a:endParaRPr lang="pt-BR"/>
+        </a:p>
+      </dgm:t>
+    </dgm:pt>
+    <dgm:pt modelId="{B5761451-6116-47CA-A368-0FDD4890512B}" type="sibTrans" cxnId="{DD444975-62D5-4EAC-A79C-35092D6DADE1}">
+      <dgm:prSet/>
+      <dgm:spPr/>
+      <dgm:t>
+        <a:bodyPr/>
+        <a:lstStyle/>
+        <a:p>
+          <a:endParaRPr lang="pt-BR"/>
+        </a:p>
+      </dgm:t>
+    </dgm:pt>
+    <dgm:pt modelId="{A49D1C1C-106A-4BF1-85C4-78B1D54F3056}">
+      <dgm:prSet/>
+      <dgm:spPr/>
+      <dgm:t>
+        <a:bodyPr/>
+        <a:lstStyle/>
+        <a:p>
+          <a:pPr rtl="0"/>
+          <a:r>
+            <a:rPr lang="pt-BR" smtClean="0"/>
+            <a:t>A chave estrangeira ocorre quando um atributo de uma relação for chave primária em outra relação. Em outras palavras sempre que houver o relacionamento 1:N entre duas tabelas, a tabela 1 receberá a chave primária e a tabela N receberá a chave estrangeira.</a:t>
+          </a:r>
+          <a:endParaRPr lang="pt-BR"/>
+        </a:p>
+      </dgm:t>
+    </dgm:pt>
+    <dgm:pt modelId="{1AF77DCA-27F4-45B4-8502-426620E72D4D}" type="parTrans" cxnId="{2C05374E-0382-4A21-9CC3-454625849ACB}">
+      <dgm:prSet/>
+      <dgm:spPr/>
+      <dgm:t>
+        <a:bodyPr/>
+        <a:lstStyle/>
+        <a:p>
+          <a:endParaRPr lang="pt-BR"/>
+        </a:p>
+      </dgm:t>
+    </dgm:pt>
+    <dgm:pt modelId="{869747D3-89B9-4D88-8F89-83696DF76AB2}" type="sibTrans" cxnId="{2C05374E-0382-4A21-9CC3-454625849ACB}">
+      <dgm:prSet/>
+      <dgm:spPr/>
+      <dgm:t>
+        <a:bodyPr/>
+        <a:lstStyle/>
+        <a:p>
+          <a:endParaRPr lang="pt-BR"/>
+        </a:p>
+      </dgm:t>
+    </dgm:pt>
+    <dgm:pt modelId="{529C24C4-3B83-410A-A4B0-0E526CAB00CF}">
+      <dgm:prSet/>
+      <dgm:spPr/>
+      <dgm:t>
+        <a:bodyPr/>
+        <a:lstStyle/>
+        <a:p>
+          <a:pPr rtl="0"/>
+          <a:r>
+            <a:rPr lang="pt-BR" smtClean="0"/>
+            <a:t>Vamos ver um exemplo:</a:t>
+          </a:r>
+          <a:endParaRPr lang="pt-BR"/>
+        </a:p>
+      </dgm:t>
+    </dgm:pt>
+    <dgm:pt modelId="{AA2188BC-69D3-48ED-AFCA-6CA89FD5BBA0}" type="parTrans" cxnId="{6AE954A0-26B2-472B-A3B2-B863ED3B84DA}">
+      <dgm:prSet/>
+      <dgm:spPr/>
+      <dgm:t>
+        <a:bodyPr/>
+        <a:lstStyle/>
+        <a:p>
+          <a:endParaRPr lang="pt-BR"/>
+        </a:p>
+      </dgm:t>
+    </dgm:pt>
+    <dgm:pt modelId="{D551B28C-71EE-4C74-BE55-4E7E263319B9}" type="sibTrans" cxnId="{6AE954A0-26B2-472B-A3B2-B863ED3B84DA}">
+      <dgm:prSet/>
+      <dgm:spPr/>
+      <dgm:t>
+        <a:bodyPr/>
+        <a:lstStyle/>
+        <a:p>
+          <a:endParaRPr lang="pt-BR"/>
+        </a:p>
+      </dgm:t>
+    </dgm:pt>
+    <dgm:pt modelId="{084294A6-15C5-4C4F-BF06-075F26BF72AC}" type="pres">
+      <dgm:prSet presAssocID="{AD2C693B-75A3-4C97-8947-7ED3B6747850}" presName="Name0" presStyleCnt="0">
+        <dgm:presLayoutVars>
+          <dgm:dir/>
+          <dgm:animLvl val="lvl"/>
+          <dgm:resizeHandles val="exact"/>
+        </dgm:presLayoutVars>
+      </dgm:prSet>
+      <dgm:spPr/>
+    </dgm:pt>
+    <dgm:pt modelId="{3F00DF08-3E79-465F-8FDD-FBC0DC2968A6}" type="pres">
+      <dgm:prSet presAssocID="{CB9AE3AB-B33E-44C3-9946-7979B1AFB0F7}" presName="composite" presStyleCnt="0"/>
+      <dgm:spPr/>
+    </dgm:pt>
+    <dgm:pt modelId="{1166D14F-0ED5-4292-B376-62A259F9A852}" type="pres">
+      <dgm:prSet presAssocID="{CB9AE3AB-B33E-44C3-9946-7979B1AFB0F7}" presName="parTx" presStyleLbl="alignNode1" presStyleIdx="0" presStyleCnt="1">
+        <dgm:presLayoutVars>
+          <dgm:chMax val="0"/>
+          <dgm:chPref val="0"/>
+          <dgm:bulletEnabled val="1"/>
+        </dgm:presLayoutVars>
+      </dgm:prSet>
+      <dgm:spPr/>
+    </dgm:pt>
+    <dgm:pt modelId="{69DB7D7B-B02B-444A-AD9F-F13B48735A0F}" type="pres">
+      <dgm:prSet presAssocID="{CB9AE3AB-B33E-44C3-9946-7979B1AFB0F7}" presName="desTx" presStyleLbl="alignAccFollowNode1" presStyleIdx="0" presStyleCnt="1">
+        <dgm:presLayoutVars>
+          <dgm:bulletEnabled val="1"/>
+        </dgm:presLayoutVars>
+      </dgm:prSet>
+      <dgm:spPr/>
+    </dgm:pt>
+  </dgm:ptLst>
+  <dgm:cxnLst>
+    <dgm:cxn modelId="{070BD1CF-DE51-4825-B30F-C81C63794B9B}" type="presOf" srcId="{AD2C693B-75A3-4C97-8947-7ED3B6747850}" destId="{084294A6-15C5-4C4F-BF06-075F26BF72AC}" srcOrd="0" destOrd="0" presId="urn:microsoft.com/office/officeart/2005/8/layout/hList1"/>
+    <dgm:cxn modelId="{2C05374E-0382-4A21-9CC3-454625849ACB}" srcId="{CB9AE3AB-B33E-44C3-9946-7979B1AFB0F7}" destId="{A49D1C1C-106A-4BF1-85C4-78B1D54F3056}" srcOrd="0" destOrd="0" parTransId="{1AF77DCA-27F4-45B4-8502-426620E72D4D}" sibTransId="{869747D3-89B9-4D88-8F89-83696DF76AB2}"/>
+    <dgm:cxn modelId="{DD444975-62D5-4EAC-A79C-35092D6DADE1}" srcId="{AD2C693B-75A3-4C97-8947-7ED3B6747850}" destId="{CB9AE3AB-B33E-44C3-9946-7979B1AFB0F7}" srcOrd="0" destOrd="0" parTransId="{5CCD8061-3BF3-488F-BC92-CCCFA2DA525E}" sibTransId="{B5761451-6116-47CA-A368-0FDD4890512B}"/>
+    <dgm:cxn modelId="{6AE954A0-26B2-472B-A3B2-B863ED3B84DA}" srcId="{CB9AE3AB-B33E-44C3-9946-7979B1AFB0F7}" destId="{529C24C4-3B83-410A-A4B0-0E526CAB00CF}" srcOrd="1" destOrd="0" parTransId="{AA2188BC-69D3-48ED-AFCA-6CA89FD5BBA0}" sibTransId="{D551B28C-71EE-4C74-BE55-4E7E263319B9}"/>
+    <dgm:cxn modelId="{FE1424DB-837A-4BAA-8B69-37C65F3D8750}" type="presOf" srcId="{529C24C4-3B83-410A-A4B0-0E526CAB00CF}" destId="{69DB7D7B-B02B-444A-AD9F-F13B48735A0F}" srcOrd="0" destOrd="1" presId="urn:microsoft.com/office/officeart/2005/8/layout/hList1"/>
+    <dgm:cxn modelId="{FB8841E7-B7CF-4B24-83C4-2B308CC30D01}" type="presOf" srcId="{A49D1C1C-106A-4BF1-85C4-78B1D54F3056}" destId="{69DB7D7B-B02B-444A-AD9F-F13B48735A0F}" srcOrd="0" destOrd="0" presId="urn:microsoft.com/office/officeart/2005/8/layout/hList1"/>
+    <dgm:cxn modelId="{41E4F0E2-4730-4A93-8E65-5E821877FA85}" type="presOf" srcId="{CB9AE3AB-B33E-44C3-9946-7979B1AFB0F7}" destId="{1166D14F-0ED5-4292-B376-62A259F9A852}" srcOrd="0" destOrd="0" presId="urn:microsoft.com/office/officeart/2005/8/layout/hList1"/>
+    <dgm:cxn modelId="{AB0166F0-1B7F-4890-9294-BADBD1F62C0F}" type="presParOf" srcId="{084294A6-15C5-4C4F-BF06-075F26BF72AC}" destId="{3F00DF08-3E79-465F-8FDD-FBC0DC2968A6}" srcOrd="0" destOrd="0" presId="urn:microsoft.com/office/officeart/2005/8/layout/hList1"/>
+    <dgm:cxn modelId="{4C570B06-B2EB-47F0-88EC-0544108BAF7A}" type="presParOf" srcId="{3F00DF08-3E79-465F-8FDD-FBC0DC2968A6}" destId="{1166D14F-0ED5-4292-B376-62A259F9A852}" srcOrd="0" destOrd="0" presId="urn:microsoft.com/office/officeart/2005/8/layout/hList1"/>
+    <dgm:cxn modelId="{1C82D0C7-20AE-4350-9DEF-901ADA345058}" type="presParOf" srcId="{3F00DF08-3E79-465F-8FDD-FBC0DC2968A6}" destId="{69DB7D7B-B02B-444A-AD9F-F13B48735A0F}" srcOrd="1" destOrd="0" presId="urn:microsoft.com/office/officeart/2005/8/layout/hList1"/>
   </dgm:cxnLst>
   <dgm:bg/>
   <dgm:whole/>
@@ -16922,6 +17858,194 @@
 </dsp:drawing>
 </file>
 
+<file path=ppt/diagrams/drawing17.xml><?xml version="1.0" encoding="utf-8"?>
+<dsp:drawing xmlns:dgm="http://schemas.openxmlformats.org/drawingml/2006/diagram" xmlns:dsp="http://schemas.microsoft.com/office/drawing/2008/diagram" xmlns:a="http://schemas.openxmlformats.org/drawingml/2006/main">
+  <dsp:spTree>
+    <dsp:nvGrpSpPr>
+      <dsp:cNvPr id="0" name=""/>
+      <dsp:cNvGrpSpPr/>
+    </dsp:nvGrpSpPr>
+    <dsp:grpSpPr/>
+    <dsp:sp modelId="{1166D14F-0ED5-4292-B376-62A259F9A852}">
+      <dsp:nvSpPr>
+        <dsp:cNvPr id="0" name=""/>
+        <dsp:cNvSpPr/>
+      </dsp:nvSpPr>
+      <dsp:spPr>
+        <a:xfrm>
+          <a:off x="0" y="78645"/>
+          <a:ext cx="9789375" cy="576000"/>
+        </a:xfrm>
+        <a:prstGeom prst="rect">
+          <a:avLst/>
+        </a:prstGeom>
+        <a:solidFill>
+          <a:schemeClr val="dk2">
+            <a:hueOff val="0"/>
+            <a:satOff val="0"/>
+            <a:lumOff val="0"/>
+            <a:alphaOff val="0"/>
+          </a:schemeClr>
+        </a:solidFill>
+        <a:ln w="15875" cap="flat" cmpd="sng" algn="ctr">
+          <a:solidFill>
+            <a:schemeClr val="dk2">
+              <a:hueOff val="0"/>
+              <a:satOff val="0"/>
+              <a:lumOff val="0"/>
+              <a:alphaOff val="0"/>
+            </a:schemeClr>
+          </a:solidFill>
+          <a:prstDash val="solid"/>
+        </a:ln>
+        <a:effectLst/>
+      </dsp:spPr>
+      <dsp:style>
+        <a:lnRef idx="2">
+          <a:scrgbClr r="0" g="0" b="0"/>
+        </a:lnRef>
+        <a:fillRef idx="1">
+          <a:scrgbClr r="0" g="0" b="0"/>
+        </a:fillRef>
+        <a:effectRef idx="0">
+          <a:scrgbClr r="0" g="0" b="0"/>
+        </a:effectRef>
+        <a:fontRef idx="minor">
+          <a:schemeClr val="lt1"/>
+        </a:fontRef>
+      </dsp:style>
+      <dsp:txBody>
+        <a:bodyPr spcFirstLastPara="0" vert="horz" wrap="square" lIns="142240" tIns="81280" rIns="142240" bIns="81280" numCol="1" spcCol="1270" anchor="ctr" anchorCtr="0">
+          <a:noAutofit/>
+        </a:bodyPr>
+        <a:lstStyle/>
+        <a:p>
+          <a:pPr lvl="0" algn="ctr" defTabSz="889000" rtl="0">
+            <a:lnSpc>
+              <a:spcPct val="90000"/>
+            </a:lnSpc>
+            <a:spcBef>
+              <a:spcPct val="0"/>
+            </a:spcBef>
+            <a:spcAft>
+              <a:spcPct val="35000"/>
+            </a:spcAft>
+          </a:pPr>
+          <a:r>
+            <a:rPr lang="pt-BR" sz="2000" b="1" kern="1200" smtClean="0"/>
+            <a:t>Chave estrangeira</a:t>
+          </a:r>
+          <a:endParaRPr lang="pt-BR" sz="2000" kern="1200"/>
+        </a:p>
+      </dsp:txBody>
+      <dsp:txXfrm>
+        <a:off x="0" y="78645"/>
+        <a:ext cx="9789375" cy="576000"/>
+      </dsp:txXfrm>
+    </dsp:sp>
+    <dsp:sp modelId="{69DB7D7B-B02B-444A-AD9F-F13B48735A0F}">
+      <dsp:nvSpPr>
+        <dsp:cNvPr id="0" name=""/>
+        <dsp:cNvSpPr/>
+      </dsp:nvSpPr>
+      <dsp:spPr>
+        <a:xfrm>
+          <a:off x="0" y="654645"/>
+          <a:ext cx="9789375" cy="1454849"/>
+        </a:xfrm>
+        <a:prstGeom prst="rect">
+          <a:avLst/>
+        </a:prstGeom>
+        <a:solidFill>
+          <a:schemeClr val="dk2">
+            <a:alpha val="90000"/>
+            <a:tint val="40000"/>
+            <a:hueOff val="0"/>
+            <a:satOff val="0"/>
+            <a:lumOff val="0"/>
+            <a:alphaOff val="0"/>
+          </a:schemeClr>
+        </a:solidFill>
+        <a:ln w="15875" cap="flat" cmpd="sng" algn="ctr">
+          <a:solidFill>
+            <a:schemeClr val="dk2">
+              <a:alpha val="90000"/>
+              <a:tint val="40000"/>
+              <a:hueOff val="0"/>
+              <a:satOff val="0"/>
+              <a:lumOff val="0"/>
+              <a:alphaOff val="0"/>
+            </a:schemeClr>
+          </a:solidFill>
+          <a:prstDash val="solid"/>
+        </a:ln>
+        <a:effectLst/>
+      </dsp:spPr>
+      <dsp:style>
+        <a:lnRef idx="2">
+          <a:scrgbClr r="0" g="0" b="0"/>
+        </a:lnRef>
+        <a:fillRef idx="1">
+          <a:scrgbClr r="0" g="0" b="0"/>
+        </a:fillRef>
+        <a:effectRef idx="0">
+          <a:scrgbClr r="0" g="0" b="0"/>
+        </a:effectRef>
+        <a:fontRef idx="minor"/>
+      </dsp:style>
+      <dsp:txBody>
+        <a:bodyPr spcFirstLastPara="0" vert="horz" wrap="square" lIns="106680" tIns="106680" rIns="142240" bIns="160020" numCol="1" spcCol="1270" anchor="t" anchorCtr="0">
+          <a:noAutofit/>
+        </a:bodyPr>
+        <a:lstStyle/>
+        <a:p>
+          <a:pPr marL="228600" lvl="1" indent="-228600" algn="l" defTabSz="889000" rtl="0">
+            <a:lnSpc>
+              <a:spcPct val="90000"/>
+            </a:lnSpc>
+            <a:spcBef>
+              <a:spcPct val="0"/>
+            </a:spcBef>
+            <a:spcAft>
+              <a:spcPct val="15000"/>
+            </a:spcAft>
+            <a:buChar char="••"/>
+          </a:pPr>
+          <a:r>
+            <a:rPr lang="pt-BR" sz="2000" kern="1200" smtClean="0"/>
+            <a:t>A chave estrangeira ocorre quando um atributo de uma relação for chave primária em outra relação. Em outras palavras sempre que houver o relacionamento 1:N entre duas tabelas, a tabela 1 receberá a chave primária e a tabela N receberá a chave estrangeira.</a:t>
+          </a:r>
+          <a:endParaRPr lang="pt-BR" sz="2000" kern="1200"/>
+        </a:p>
+        <a:p>
+          <a:pPr marL="228600" lvl="1" indent="-228600" algn="l" defTabSz="889000" rtl="0">
+            <a:lnSpc>
+              <a:spcPct val="90000"/>
+            </a:lnSpc>
+            <a:spcBef>
+              <a:spcPct val="0"/>
+            </a:spcBef>
+            <a:spcAft>
+              <a:spcPct val="15000"/>
+            </a:spcAft>
+            <a:buChar char="••"/>
+          </a:pPr>
+          <a:r>
+            <a:rPr lang="pt-BR" sz="2000" kern="1200" smtClean="0"/>
+            <a:t>Vamos ver um exemplo:</a:t>
+          </a:r>
+          <a:endParaRPr lang="pt-BR" sz="2000" kern="1200"/>
+        </a:p>
+      </dsp:txBody>
+      <dsp:txXfrm>
+        <a:off x="0" y="654645"/>
+        <a:ext cx="9789375" cy="1454849"/>
+      </dsp:txXfrm>
+    </dsp:sp>
+  </dsp:spTree>
+</dsp:drawing>
+</file>
+
 <file path=ppt/diagrams/drawing2.xml><?xml version="1.0" encoding="utf-8"?>
 <dsp:drawing xmlns:dgm="http://schemas.openxmlformats.org/drawingml/2006/diagram" xmlns:dsp="http://schemas.microsoft.com/office/drawing/2008/diagram" xmlns:a="http://schemas.openxmlformats.org/drawingml/2006/main">
   <dsp:spTree>
@@ -18822,6 +19946,223 @@
 </dgm:layoutDef>
 </file>
 
+<file path=ppt/diagrams/layout17.xml><?xml version="1.0" encoding="utf-8"?>
+<dgm:layoutDef xmlns:dgm="http://schemas.openxmlformats.org/drawingml/2006/diagram" xmlns:a="http://schemas.openxmlformats.org/drawingml/2006/main" uniqueId="urn:microsoft.com/office/officeart/2005/8/layout/hList1">
+  <dgm:title val=""/>
+  <dgm:desc val=""/>
+  <dgm:catLst>
+    <dgm:cat type="list" pri="5000"/>
+    <dgm:cat type="convert" pri="5000"/>
+  </dgm:catLst>
+  <dgm:sampData>
+    <dgm:dataModel>
+      <dgm:ptLst>
+        <dgm:pt modelId="0" type="doc"/>
+        <dgm:pt modelId="1">
+          <dgm:prSet phldr="1"/>
+        </dgm:pt>
+        <dgm:pt modelId="11">
+          <dgm:prSet phldr="1"/>
+        </dgm:pt>
+        <dgm:pt modelId="12">
+          <dgm:prSet phldr="1"/>
+        </dgm:pt>
+        <dgm:pt modelId="2">
+          <dgm:prSet phldr="1"/>
+        </dgm:pt>
+        <dgm:pt modelId="21">
+          <dgm:prSet phldr="1"/>
+        </dgm:pt>
+        <dgm:pt modelId="22">
+          <dgm:prSet phldr="1"/>
+        </dgm:pt>
+        <dgm:pt modelId="3">
+          <dgm:prSet phldr="1"/>
+        </dgm:pt>
+        <dgm:pt modelId="31">
+          <dgm:prSet phldr="1"/>
+        </dgm:pt>
+        <dgm:pt modelId="32">
+          <dgm:prSet phldr="1"/>
+        </dgm:pt>
+      </dgm:ptLst>
+      <dgm:cxnLst>
+        <dgm:cxn modelId="4" srcId="0" destId="1" srcOrd="0" destOrd="0"/>
+        <dgm:cxn modelId="5" srcId="0" destId="2" srcOrd="1" destOrd="0"/>
+        <dgm:cxn modelId="6" srcId="0" destId="3" srcOrd="2" destOrd="0"/>
+        <dgm:cxn modelId="13" srcId="1" destId="11" srcOrd="0" destOrd="0"/>
+        <dgm:cxn modelId="14" srcId="1" destId="12" srcOrd="1" destOrd="0"/>
+        <dgm:cxn modelId="23" srcId="2" destId="21" srcOrd="0" destOrd="0"/>
+        <dgm:cxn modelId="24" srcId="2" destId="22" srcOrd="1" destOrd="0"/>
+        <dgm:cxn modelId="33" srcId="3" destId="31" srcOrd="0" destOrd="0"/>
+        <dgm:cxn modelId="34" srcId="3" destId="32" srcOrd="1" destOrd="0"/>
+      </dgm:cxnLst>
+      <dgm:bg/>
+      <dgm:whole/>
+    </dgm:dataModel>
+  </dgm:sampData>
+  <dgm:styleData>
+    <dgm:dataModel>
+      <dgm:ptLst>
+        <dgm:pt modelId="0" type="doc"/>
+        <dgm:pt modelId="1">
+          <dgm:prSet phldr="1"/>
+        </dgm:pt>
+        <dgm:pt modelId="2">
+          <dgm:prSet phldr="1"/>
+        </dgm:pt>
+      </dgm:ptLst>
+      <dgm:cxnLst>
+        <dgm:cxn modelId="3" srcId="0" destId="1" srcOrd="0" destOrd="0"/>
+        <dgm:cxn modelId="4" srcId="0" destId="2" srcOrd="1" destOrd="0"/>
+      </dgm:cxnLst>
+      <dgm:bg/>
+      <dgm:whole/>
+    </dgm:dataModel>
+  </dgm:styleData>
+  <dgm:clrData>
+    <dgm:dataModel>
+      <dgm:ptLst>
+        <dgm:pt modelId="0" type="doc"/>
+        <dgm:pt modelId="1">
+          <dgm:prSet phldr="1"/>
+        </dgm:pt>
+        <dgm:pt modelId="2">
+          <dgm:prSet phldr="1"/>
+        </dgm:pt>
+        <dgm:pt modelId="3">
+          <dgm:prSet phldr="1"/>
+        </dgm:pt>
+        <dgm:pt modelId="4">
+          <dgm:prSet phldr="1"/>
+        </dgm:pt>
+      </dgm:ptLst>
+      <dgm:cxnLst>
+        <dgm:cxn modelId="5" srcId="0" destId="1" srcOrd="0" destOrd="0"/>
+        <dgm:cxn modelId="6" srcId="0" destId="2" srcOrd="1" destOrd="0"/>
+        <dgm:cxn modelId="7" srcId="0" destId="3" srcOrd="2" destOrd="0"/>
+        <dgm:cxn modelId="8" srcId="0" destId="4" srcOrd="3" destOrd="0"/>
+      </dgm:cxnLst>
+      <dgm:bg/>
+      <dgm:whole/>
+    </dgm:dataModel>
+  </dgm:clrData>
+  <dgm:layoutNode name="Name0">
+    <dgm:varLst>
+      <dgm:dir/>
+      <dgm:animLvl val="lvl"/>
+      <dgm:resizeHandles val="exact"/>
+    </dgm:varLst>
+    <dgm:choose name="Name1">
+      <dgm:if name="Name2" func="var" arg="dir" op="equ" val="norm">
+        <dgm:alg type="lin"/>
+      </dgm:if>
+      <dgm:else name="Name3">
+        <dgm:alg type="lin">
+          <dgm:param type="linDir" val="fromR"/>
+        </dgm:alg>
+      </dgm:else>
+    </dgm:choose>
+    <dgm:shape xmlns:r="http://schemas.openxmlformats.org/officeDocument/2006/relationships" r:blip="">
+      <dgm:adjLst/>
+    </dgm:shape>
+    <dgm:presOf/>
+    <dgm:constrLst>
+      <dgm:constr type="h" for="ch" forName="composite" refType="h"/>
+      <dgm:constr type="w" for="ch" forName="composite" refType="w"/>
+      <dgm:constr type="w" for="des" forName="parTx"/>
+      <dgm:constr type="h" for="des" forName="parTx" op="equ"/>
+      <dgm:constr type="w" for="des" forName="desTx"/>
+      <dgm:constr type="h" for="des" forName="desTx" op="equ"/>
+      <dgm:constr type="primFontSz" for="des" forName="parTx" val="65"/>
+      <dgm:constr type="secFontSz" for="des" forName="desTx" refType="primFontSz" refFor="des" refForName="parTx" op="equ"/>
+      <dgm:constr type="h" for="des" forName="parTx" refType="primFontSz" refFor="des" refForName="parTx" fact="0.8"/>
+      <dgm:constr type="h" for="des" forName="desTx" refType="primFontSz" refFor="des" refForName="parTx" fact="1.22"/>
+      <dgm:constr type="w" for="ch" forName="space" refType="w" refFor="ch" refForName="composite" op="equ" fact="0.14"/>
+    </dgm:constrLst>
+    <dgm:ruleLst>
+      <dgm:rule type="w" for="ch" forName="composite" val="0" fact="NaN" max="NaN"/>
+      <dgm:rule type="primFontSz" for="des" forName="parTx" val="5" fact="NaN" max="NaN"/>
+    </dgm:ruleLst>
+    <dgm:forEach name="Name4" axis="ch" ptType="node">
+      <dgm:layoutNode name="composite">
+        <dgm:alg type="composite"/>
+        <dgm:shape xmlns:r="http://schemas.openxmlformats.org/officeDocument/2006/relationships" r:blip="">
+          <dgm:adjLst/>
+        </dgm:shape>
+        <dgm:presOf/>
+        <dgm:constrLst>
+          <dgm:constr type="l" for="ch" forName="parTx"/>
+          <dgm:constr type="w" for="ch" forName="parTx" refType="w"/>
+          <dgm:constr type="t" for="ch" forName="parTx"/>
+          <dgm:constr type="l" for="ch" forName="desTx"/>
+          <dgm:constr type="w" for="ch" forName="desTx" refType="w" refFor="ch" refForName="parTx"/>
+          <dgm:constr type="t" for="ch" forName="desTx" refType="h" refFor="ch" refForName="parTx"/>
+        </dgm:constrLst>
+        <dgm:ruleLst>
+          <dgm:rule type="h" val="INF" fact="NaN" max="NaN"/>
+        </dgm:ruleLst>
+        <dgm:layoutNode name="parTx" styleLbl="alignNode1">
+          <dgm:varLst>
+            <dgm:chMax val="0"/>
+            <dgm:chPref val="0"/>
+            <dgm:bulletEnabled val="1"/>
+          </dgm:varLst>
+          <dgm:alg type="tx"/>
+          <dgm:shape xmlns:r="http://schemas.openxmlformats.org/officeDocument/2006/relationships" type="rect" r:blip="">
+            <dgm:adjLst/>
+          </dgm:shape>
+          <dgm:presOf axis="self" ptType="node"/>
+          <dgm:constrLst>
+            <dgm:constr type="h" refType="w" op="lte" fact="0.4"/>
+            <dgm:constr type="h"/>
+            <dgm:constr type="tMarg" refType="primFontSz" fact="0.32"/>
+            <dgm:constr type="bMarg" refType="primFontSz" fact="0.32"/>
+          </dgm:constrLst>
+          <dgm:ruleLst>
+            <dgm:rule type="h" val="INF" fact="NaN" max="NaN"/>
+          </dgm:ruleLst>
+        </dgm:layoutNode>
+        <dgm:layoutNode name="desTx" styleLbl="alignAccFollowNode1">
+          <dgm:varLst>
+            <dgm:bulletEnabled val="1"/>
+          </dgm:varLst>
+          <dgm:alg type="tx">
+            <dgm:param type="stBulletLvl" val="1"/>
+          </dgm:alg>
+          <dgm:shape xmlns:r="http://schemas.openxmlformats.org/officeDocument/2006/relationships" type="rect" r:blip="">
+            <dgm:adjLst/>
+          </dgm:shape>
+          <dgm:presOf axis="des" ptType="node"/>
+          <dgm:constrLst>
+            <dgm:constr type="secFontSz" val="65"/>
+            <dgm:constr type="primFontSz" refType="secFontSz"/>
+            <dgm:constr type="h"/>
+            <dgm:constr type="lMarg" refType="primFontSz" fact="0.42"/>
+            <dgm:constr type="tMarg" refType="primFontSz" fact="0.42"/>
+            <dgm:constr type="bMarg" refType="primFontSz" fact="0.63"/>
+          </dgm:constrLst>
+          <dgm:ruleLst>
+            <dgm:rule type="h" val="INF" fact="NaN" max="NaN"/>
+          </dgm:ruleLst>
+        </dgm:layoutNode>
+      </dgm:layoutNode>
+      <dgm:forEach name="Name5" axis="followSib" ptType="sibTrans" cnt="1">
+        <dgm:layoutNode name="space">
+          <dgm:alg type="sp"/>
+          <dgm:shape xmlns:r="http://schemas.openxmlformats.org/officeDocument/2006/relationships" r:blip="">
+            <dgm:adjLst/>
+          </dgm:shape>
+          <dgm:presOf/>
+          <dgm:constrLst/>
+          <dgm:ruleLst/>
+        </dgm:layoutNode>
+      </dgm:forEach>
+    </dgm:forEach>
+  </dgm:layoutNode>
+</dgm:layoutDef>
+</file>
+
 <file path=ppt/diagrams/layout2.xml><?xml version="1.0" encoding="utf-8"?>
 <dgm:layoutDef xmlns:dgm="http://schemas.openxmlformats.org/drawingml/2006/diagram" xmlns:a="http://schemas.openxmlformats.org/drawingml/2006/main" uniqueId="urn:microsoft.com/office/officeart/2005/8/layout/vList2">
   <dgm:title val=""/>
@@ -27696,6 +29037,1040 @@
 </file>
 
 <file path=ppt/diagrams/quickStyle16.xml><?xml version="1.0" encoding="utf-8"?>
+<dgm:styleDef xmlns:dgm="http://schemas.openxmlformats.org/drawingml/2006/diagram" xmlns:a="http://schemas.openxmlformats.org/drawingml/2006/main" uniqueId="urn:microsoft.com/office/officeart/2005/8/quickstyle/simple1">
+  <dgm:title val=""/>
+  <dgm:desc val=""/>
+  <dgm:catLst>
+    <dgm:cat type="simple" pri="10100"/>
+  </dgm:catLst>
+  <dgm:scene3d>
+    <a:camera prst="orthographicFront"/>
+    <a:lightRig rig="threePt" dir="t"/>
+  </dgm:scene3d>
+  <dgm:styleLbl name="node0">
+    <dgm:scene3d>
+      <a:camera prst="orthographicFront"/>
+      <a:lightRig rig="threePt" dir="t"/>
+    </dgm:scene3d>
+    <dgm:sp3d/>
+    <dgm:txPr/>
+    <dgm:style>
+      <a:lnRef idx="2">
+        <a:scrgbClr r="0" g="0" b="0"/>
+      </a:lnRef>
+      <a:fillRef idx="1">
+        <a:scrgbClr r="0" g="0" b="0"/>
+      </a:fillRef>
+      <a:effectRef idx="0">
+        <a:scrgbClr r="0" g="0" b="0"/>
+      </a:effectRef>
+      <a:fontRef idx="minor">
+        <a:schemeClr val="lt1"/>
+      </a:fontRef>
+    </dgm:style>
+  </dgm:styleLbl>
+  <dgm:styleLbl name="lnNode1">
+    <dgm:scene3d>
+      <a:camera prst="orthographicFront"/>
+      <a:lightRig rig="threePt" dir="t"/>
+    </dgm:scene3d>
+    <dgm:sp3d/>
+    <dgm:txPr/>
+    <dgm:style>
+      <a:lnRef idx="2">
+        <a:scrgbClr r="0" g="0" b="0"/>
+      </a:lnRef>
+      <a:fillRef idx="1">
+        <a:scrgbClr r="0" g="0" b="0"/>
+      </a:fillRef>
+      <a:effectRef idx="0">
+        <a:scrgbClr r="0" g="0" b="0"/>
+      </a:effectRef>
+      <a:fontRef idx="minor">
+        <a:schemeClr val="lt1"/>
+      </a:fontRef>
+    </dgm:style>
+  </dgm:styleLbl>
+  <dgm:styleLbl name="vennNode1">
+    <dgm:scene3d>
+      <a:camera prst="orthographicFront"/>
+      <a:lightRig rig="threePt" dir="t"/>
+    </dgm:scene3d>
+    <dgm:sp3d/>
+    <dgm:txPr/>
+    <dgm:style>
+      <a:lnRef idx="2">
+        <a:scrgbClr r="0" g="0" b="0"/>
+      </a:lnRef>
+      <a:fillRef idx="1">
+        <a:scrgbClr r="0" g="0" b="0"/>
+      </a:fillRef>
+      <a:effectRef idx="0">
+        <a:scrgbClr r="0" g="0" b="0"/>
+      </a:effectRef>
+      <a:fontRef idx="minor">
+        <a:schemeClr val="tx1"/>
+      </a:fontRef>
+    </dgm:style>
+  </dgm:styleLbl>
+  <dgm:styleLbl name="alignNode1">
+    <dgm:scene3d>
+      <a:camera prst="orthographicFront"/>
+      <a:lightRig rig="threePt" dir="t"/>
+    </dgm:scene3d>
+    <dgm:sp3d/>
+    <dgm:txPr/>
+    <dgm:style>
+      <a:lnRef idx="2">
+        <a:scrgbClr r="0" g="0" b="0"/>
+      </a:lnRef>
+      <a:fillRef idx="1">
+        <a:scrgbClr r="0" g="0" b="0"/>
+      </a:fillRef>
+      <a:effectRef idx="0">
+        <a:scrgbClr r="0" g="0" b="0"/>
+      </a:effectRef>
+      <a:fontRef idx="minor">
+        <a:schemeClr val="lt1"/>
+      </a:fontRef>
+    </dgm:style>
+  </dgm:styleLbl>
+  <dgm:styleLbl name="node1">
+    <dgm:scene3d>
+      <a:camera prst="orthographicFront"/>
+      <a:lightRig rig="threePt" dir="t"/>
+    </dgm:scene3d>
+    <dgm:sp3d/>
+    <dgm:txPr/>
+    <dgm:style>
+      <a:lnRef idx="2">
+        <a:scrgbClr r="0" g="0" b="0"/>
+      </a:lnRef>
+      <a:fillRef idx="1">
+        <a:scrgbClr r="0" g="0" b="0"/>
+      </a:fillRef>
+      <a:effectRef idx="0">
+        <a:scrgbClr r="0" g="0" b="0"/>
+      </a:effectRef>
+      <a:fontRef idx="minor">
+        <a:schemeClr val="lt1"/>
+      </a:fontRef>
+    </dgm:style>
+  </dgm:styleLbl>
+  <dgm:styleLbl name="node2">
+    <dgm:scene3d>
+      <a:camera prst="orthographicFront"/>
+      <a:lightRig rig="threePt" dir="t"/>
+    </dgm:scene3d>
+    <dgm:sp3d/>
+    <dgm:txPr/>
+    <dgm:style>
+      <a:lnRef idx="2">
+        <a:scrgbClr r="0" g="0" b="0"/>
+      </a:lnRef>
+      <a:fillRef idx="1">
+        <a:scrgbClr r="0" g="0" b="0"/>
+      </a:fillRef>
+      <a:effectRef idx="0">
+        <a:scrgbClr r="0" g="0" b="0"/>
+      </a:effectRef>
+      <a:fontRef idx="minor">
+        <a:schemeClr val="lt1"/>
+      </a:fontRef>
+    </dgm:style>
+  </dgm:styleLbl>
+  <dgm:styleLbl name="node3">
+    <dgm:scene3d>
+      <a:camera prst="orthographicFront"/>
+      <a:lightRig rig="threePt" dir="t"/>
+    </dgm:scene3d>
+    <dgm:sp3d/>
+    <dgm:txPr/>
+    <dgm:style>
+      <a:lnRef idx="2">
+        <a:scrgbClr r="0" g="0" b="0"/>
+      </a:lnRef>
+      <a:fillRef idx="1">
+        <a:scrgbClr r="0" g="0" b="0"/>
+      </a:fillRef>
+      <a:effectRef idx="0">
+        <a:scrgbClr r="0" g="0" b="0"/>
+      </a:effectRef>
+      <a:fontRef idx="minor">
+        <a:schemeClr val="lt1"/>
+      </a:fontRef>
+    </dgm:style>
+  </dgm:styleLbl>
+  <dgm:styleLbl name="node4">
+    <dgm:scene3d>
+      <a:camera prst="orthographicFront"/>
+      <a:lightRig rig="threePt" dir="t"/>
+    </dgm:scene3d>
+    <dgm:sp3d/>
+    <dgm:txPr/>
+    <dgm:style>
+      <a:lnRef idx="2">
+        <a:scrgbClr r="0" g="0" b="0"/>
+      </a:lnRef>
+      <a:fillRef idx="1">
+        <a:scrgbClr r="0" g="0" b="0"/>
+      </a:fillRef>
+      <a:effectRef idx="0">
+        <a:scrgbClr r="0" g="0" b="0"/>
+      </a:effectRef>
+      <a:fontRef idx="minor">
+        <a:schemeClr val="lt1"/>
+      </a:fontRef>
+    </dgm:style>
+  </dgm:styleLbl>
+  <dgm:styleLbl name="fgImgPlace1">
+    <dgm:scene3d>
+      <a:camera prst="orthographicFront"/>
+      <a:lightRig rig="threePt" dir="t"/>
+    </dgm:scene3d>
+    <dgm:sp3d/>
+    <dgm:txPr/>
+    <dgm:style>
+      <a:lnRef idx="2">
+        <a:scrgbClr r="0" g="0" b="0"/>
+      </a:lnRef>
+      <a:fillRef idx="1">
+        <a:scrgbClr r="0" g="0" b="0"/>
+      </a:fillRef>
+      <a:effectRef idx="0">
+        <a:scrgbClr r="0" g="0" b="0"/>
+      </a:effectRef>
+      <a:fontRef idx="minor"/>
+    </dgm:style>
+  </dgm:styleLbl>
+  <dgm:styleLbl name="alignImgPlace1">
+    <dgm:scene3d>
+      <a:camera prst="orthographicFront"/>
+      <a:lightRig rig="threePt" dir="t"/>
+    </dgm:scene3d>
+    <dgm:sp3d/>
+    <dgm:txPr/>
+    <dgm:style>
+      <a:lnRef idx="2">
+        <a:scrgbClr r="0" g="0" b="0"/>
+      </a:lnRef>
+      <a:fillRef idx="1">
+        <a:scrgbClr r="0" g="0" b="0"/>
+      </a:fillRef>
+      <a:effectRef idx="0">
+        <a:scrgbClr r="0" g="0" b="0"/>
+      </a:effectRef>
+      <a:fontRef idx="minor"/>
+    </dgm:style>
+  </dgm:styleLbl>
+  <dgm:styleLbl name="bgImgPlace1">
+    <dgm:scene3d>
+      <a:camera prst="orthographicFront"/>
+      <a:lightRig rig="threePt" dir="t"/>
+    </dgm:scene3d>
+    <dgm:sp3d/>
+    <dgm:txPr/>
+    <dgm:style>
+      <a:lnRef idx="2">
+        <a:scrgbClr r="0" g="0" b="0"/>
+      </a:lnRef>
+      <a:fillRef idx="1">
+        <a:scrgbClr r="0" g="0" b="0"/>
+      </a:fillRef>
+      <a:effectRef idx="0">
+        <a:scrgbClr r="0" g="0" b="0"/>
+      </a:effectRef>
+      <a:fontRef idx="minor"/>
+    </dgm:style>
+  </dgm:styleLbl>
+  <dgm:styleLbl name="sibTrans2D1">
+    <dgm:scene3d>
+      <a:camera prst="orthographicFront"/>
+      <a:lightRig rig="threePt" dir="t"/>
+    </dgm:scene3d>
+    <dgm:sp3d/>
+    <dgm:txPr/>
+    <dgm:style>
+      <a:lnRef idx="0">
+        <a:scrgbClr r="0" g="0" b="0"/>
+      </a:lnRef>
+      <a:fillRef idx="1">
+        <a:scrgbClr r="0" g="0" b="0"/>
+      </a:fillRef>
+      <a:effectRef idx="0">
+        <a:scrgbClr r="0" g="0" b="0"/>
+      </a:effectRef>
+      <a:fontRef idx="minor">
+        <a:schemeClr val="lt1"/>
+      </a:fontRef>
+    </dgm:style>
+  </dgm:styleLbl>
+  <dgm:styleLbl name="fgSibTrans2D1">
+    <dgm:scene3d>
+      <a:camera prst="orthographicFront"/>
+      <a:lightRig rig="threePt" dir="t"/>
+    </dgm:scene3d>
+    <dgm:sp3d/>
+    <dgm:txPr/>
+    <dgm:style>
+      <a:lnRef idx="0">
+        <a:scrgbClr r="0" g="0" b="0"/>
+      </a:lnRef>
+      <a:fillRef idx="1">
+        <a:scrgbClr r="0" g="0" b="0"/>
+      </a:fillRef>
+      <a:effectRef idx="0">
+        <a:scrgbClr r="0" g="0" b="0"/>
+      </a:effectRef>
+      <a:fontRef idx="minor">
+        <a:schemeClr val="lt1"/>
+      </a:fontRef>
+    </dgm:style>
+  </dgm:styleLbl>
+  <dgm:styleLbl name="bgSibTrans2D1">
+    <dgm:scene3d>
+      <a:camera prst="orthographicFront"/>
+      <a:lightRig rig="threePt" dir="t"/>
+    </dgm:scene3d>
+    <dgm:sp3d/>
+    <dgm:txPr/>
+    <dgm:style>
+      <a:lnRef idx="0">
+        <a:scrgbClr r="0" g="0" b="0"/>
+      </a:lnRef>
+      <a:fillRef idx="1">
+        <a:scrgbClr r="0" g="0" b="0"/>
+      </a:fillRef>
+      <a:effectRef idx="0">
+        <a:scrgbClr r="0" g="0" b="0"/>
+      </a:effectRef>
+      <a:fontRef idx="minor">
+        <a:schemeClr val="lt1"/>
+      </a:fontRef>
+    </dgm:style>
+  </dgm:styleLbl>
+  <dgm:styleLbl name="sibTrans1D1">
+    <dgm:scene3d>
+      <a:camera prst="orthographicFront"/>
+      <a:lightRig rig="threePt" dir="t"/>
+    </dgm:scene3d>
+    <dgm:sp3d/>
+    <dgm:txPr/>
+    <dgm:style>
+      <a:lnRef idx="1">
+        <a:scrgbClr r="0" g="0" b="0"/>
+      </a:lnRef>
+      <a:fillRef idx="0">
+        <a:scrgbClr r="0" g="0" b="0"/>
+      </a:fillRef>
+      <a:effectRef idx="0">
+        <a:scrgbClr r="0" g="0" b="0"/>
+      </a:effectRef>
+      <a:fontRef idx="minor"/>
+    </dgm:style>
+  </dgm:styleLbl>
+  <dgm:styleLbl name="callout">
+    <dgm:scene3d>
+      <a:camera prst="orthographicFront"/>
+      <a:lightRig rig="threePt" dir="t"/>
+    </dgm:scene3d>
+    <dgm:sp3d/>
+    <dgm:txPr/>
+    <dgm:style>
+      <a:lnRef idx="2">
+        <a:scrgbClr r="0" g="0" b="0"/>
+      </a:lnRef>
+      <a:fillRef idx="1">
+        <a:scrgbClr r="0" g="0" b="0"/>
+      </a:fillRef>
+      <a:effectRef idx="0">
+        <a:scrgbClr r="0" g="0" b="0"/>
+      </a:effectRef>
+      <a:fontRef idx="minor"/>
+    </dgm:style>
+  </dgm:styleLbl>
+  <dgm:styleLbl name="asst0">
+    <dgm:scene3d>
+      <a:camera prst="orthographicFront"/>
+      <a:lightRig rig="threePt" dir="t"/>
+    </dgm:scene3d>
+    <dgm:sp3d/>
+    <dgm:txPr/>
+    <dgm:style>
+      <a:lnRef idx="2">
+        <a:scrgbClr r="0" g="0" b="0"/>
+      </a:lnRef>
+      <a:fillRef idx="1">
+        <a:scrgbClr r="0" g="0" b="0"/>
+      </a:fillRef>
+      <a:effectRef idx="0">
+        <a:scrgbClr r="0" g="0" b="0"/>
+      </a:effectRef>
+      <a:fontRef idx="minor">
+        <a:schemeClr val="lt1"/>
+      </a:fontRef>
+    </dgm:style>
+  </dgm:styleLbl>
+  <dgm:styleLbl name="asst1">
+    <dgm:scene3d>
+      <a:camera prst="orthographicFront"/>
+      <a:lightRig rig="threePt" dir="t"/>
+    </dgm:scene3d>
+    <dgm:sp3d/>
+    <dgm:txPr/>
+    <dgm:style>
+      <a:lnRef idx="2">
+        <a:scrgbClr r="0" g="0" b="0"/>
+      </a:lnRef>
+      <a:fillRef idx="1">
+        <a:scrgbClr r="0" g="0" b="0"/>
+      </a:fillRef>
+      <a:effectRef idx="0">
+        <a:scrgbClr r="0" g="0" b="0"/>
+      </a:effectRef>
+      <a:fontRef idx="minor">
+        <a:schemeClr val="lt1"/>
+      </a:fontRef>
+    </dgm:style>
+  </dgm:styleLbl>
+  <dgm:styleLbl name="asst2">
+    <dgm:scene3d>
+      <a:camera prst="orthographicFront"/>
+      <a:lightRig rig="threePt" dir="t"/>
+    </dgm:scene3d>
+    <dgm:sp3d/>
+    <dgm:txPr/>
+    <dgm:style>
+      <a:lnRef idx="2">
+        <a:scrgbClr r="0" g="0" b="0"/>
+      </a:lnRef>
+      <a:fillRef idx="1">
+        <a:scrgbClr r="0" g="0" b="0"/>
+      </a:fillRef>
+      <a:effectRef idx="0">
+        <a:scrgbClr r="0" g="0" b="0"/>
+      </a:effectRef>
+      <a:fontRef idx="minor">
+        <a:schemeClr val="lt1"/>
+      </a:fontRef>
+    </dgm:style>
+  </dgm:styleLbl>
+  <dgm:styleLbl name="asst3">
+    <dgm:scene3d>
+      <a:camera prst="orthographicFront"/>
+      <a:lightRig rig="threePt" dir="t"/>
+    </dgm:scene3d>
+    <dgm:sp3d/>
+    <dgm:txPr/>
+    <dgm:style>
+      <a:lnRef idx="2">
+        <a:scrgbClr r="0" g="0" b="0"/>
+      </a:lnRef>
+      <a:fillRef idx="1">
+        <a:scrgbClr r="0" g="0" b="0"/>
+      </a:fillRef>
+      <a:effectRef idx="0">
+        <a:scrgbClr r="0" g="0" b="0"/>
+      </a:effectRef>
+      <a:fontRef idx="minor">
+        <a:schemeClr val="lt1"/>
+      </a:fontRef>
+    </dgm:style>
+  </dgm:styleLbl>
+  <dgm:styleLbl name="asst4">
+    <dgm:scene3d>
+      <a:camera prst="orthographicFront"/>
+      <a:lightRig rig="threePt" dir="t"/>
+    </dgm:scene3d>
+    <dgm:sp3d/>
+    <dgm:txPr/>
+    <dgm:style>
+      <a:lnRef idx="2">
+        <a:scrgbClr r="0" g="0" b="0"/>
+      </a:lnRef>
+      <a:fillRef idx="1">
+        <a:scrgbClr r="0" g="0" b="0"/>
+      </a:fillRef>
+      <a:effectRef idx="0">
+        <a:scrgbClr r="0" g="0" b="0"/>
+      </a:effectRef>
+      <a:fontRef idx="minor">
+        <a:schemeClr val="lt1"/>
+      </a:fontRef>
+    </dgm:style>
+  </dgm:styleLbl>
+  <dgm:styleLbl name="parChTrans2D1">
+    <dgm:scene3d>
+      <a:camera prst="orthographicFront"/>
+      <a:lightRig rig="threePt" dir="t"/>
+    </dgm:scene3d>
+    <dgm:sp3d/>
+    <dgm:txPr/>
+    <dgm:style>
+      <a:lnRef idx="2">
+        <a:scrgbClr r="0" g="0" b="0"/>
+      </a:lnRef>
+      <a:fillRef idx="1">
+        <a:scrgbClr r="0" g="0" b="0"/>
+      </a:fillRef>
+      <a:effectRef idx="0">
+        <a:scrgbClr r="0" g="0" b="0"/>
+      </a:effectRef>
+      <a:fontRef idx="minor">
+        <a:schemeClr val="lt1"/>
+      </a:fontRef>
+    </dgm:style>
+  </dgm:styleLbl>
+  <dgm:styleLbl name="parChTrans2D2">
+    <dgm:scene3d>
+      <a:camera prst="orthographicFront"/>
+      <a:lightRig rig="threePt" dir="t"/>
+    </dgm:scene3d>
+    <dgm:sp3d/>
+    <dgm:txPr/>
+    <dgm:style>
+      <a:lnRef idx="2">
+        <a:scrgbClr r="0" g="0" b="0"/>
+      </a:lnRef>
+      <a:fillRef idx="1">
+        <a:scrgbClr r="0" g="0" b="0"/>
+      </a:fillRef>
+      <a:effectRef idx="0">
+        <a:scrgbClr r="0" g="0" b="0"/>
+      </a:effectRef>
+      <a:fontRef idx="minor">
+        <a:schemeClr val="lt1"/>
+      </a:fontRef>
+    </dgm:style>
+  </dgm:styleLbl>
+  <dgm:styleLbl name="parChTrans2D3">
+    <dgm:scene3d>
+      <a:camera prst="orthographicFront"/>
+      <a:lightRig rig="threePt" dir="t"/>
+    </dgm:scene3d>
+    <dgm:sp3d/>
+    <dgm:txPr/>
+    <dgm:style>
+      <a:lnRef idx="2">
+        <a:scrgbClr r="0" g="0" b="0"/>
+      </a:lnRef>
+      <a:fillRef idx="1">
+        <a:scrgbClr r="0" g="0" b="0"/>
+      </a:fillRef>
+      <a:effectRef idx="0">
+        <a:scrgbClr r="0" g="0" b="0"/>
+      </a:effectRef>
+      <a:fontRef idx="minor">
+        <a:schemeClr val="lt1"/>
+      </a:fontRef>
+    </dgm:style>
+  </dgm:styleLbl>
+  <dgm:styleLbl name="parChTrans2D4">
+    <dgm:scene3d>
+      <a:camera prst="orthographicFront"/>
+      <a:lightRig rig="threePt" dir="t"/>
+    </dgm:scene3d>
+    <dgm:sp3d/>
+    <dgm:txPr/>
+    <dgm:style>
+      <a:lnRef idx="2">
+        <a:scrgbClr r="0" g="0" b="0"/>
+      </a:lnRef>
+      <a:fillRef idx="1">
+        <a:scrgbClr r="0" g="0" b="0"/>
+      </a:fillRef>
+      <a:effectRef idx="0">
+        <a:scrgbClr r="0" g="0" b="0"/>
+      </a:effectRef>
+      <a:fontRef idx="minor">
+        <a:schemeClr val="lt1"/>
+      </a:fontRef>
+    </dgm:style>
+  </dgm:styleLbl>
+  <dgm:styleLbl name="parChTrans1D1">
+    <dgm:scene3d>
+      <a:camera prst="orthographicFront"/>
+      <a:lightRig rig="threePt" dir="t"/>
+    </dgm:scene3d>
+    <dgm:sp3d/>
+    <dgm:txPr/>
+    <dgm:style>
+      <a:lnRef idx="2">
+        <a:scrgbClr r="0" g="0" b="0"/>
+      </a:lnRef>
+      <a:fillRef idx="0">
+        <a:scrgbClr r="0" g="0" b="0"/>
+      </a:fillRef>
+      <a:effectRef idx="0">
+        <a:scrgbClr r="0" g="0" b="0"/>
+      </a:effectRef>
+      <a:fontRef idx="minor"/>
+    </dgm:style>
+  </dgm:styleLbl>
+  <dgm:styleLbl name="parChTrans1D2">
+    <dgm:scene3d>
+      <a:camera prst="orthographicFront"/>
+      <a:lightRig rig="threePt" dir="t"/>
+    </dgm:scene3d>
+    <dgm:sp3d/>
+    <dgm:txPr/>
+    <dgm:style>
+      <a:lnRef idx="2">
+        <a:scrgbClr r="0" g="0" b="0"/>
+      </a:lnRef>
+      <a:fillRef idx="0">
+        <a:scrgbClr r="0" g="0" b="0"/>
+      </a:fillRef>
+      <a:effectRef idx="0">
+        <a:scrgbClr r="0" g="0" b="0"/>
+      </a:effectRef>
+      <a:fontRef idx="minor"/>
+    </dgm:style>
+  </dgm:styleLbl>
+  <dgm:styleLbl name="parChTrans1D3">
+    <dgm:scene3d>
+      <a:camera prst="orthographicFront"/>
+      <a:lightRig rig="threePt" dir="t"/>
+    </dgm:scene3d>
+    <dgm:sp3d/>
+    <dgm:txPr/>
+    <dgm:style>
+      <a:lnRef idx="2">
+        <a:scrgbClr r="0" g="0" b="0"/>
+      </a:lnRef>
+      <a:fillRef idx="0">
+        <a:scrgbClr r="0" g="0" b="0"/>
+      </a:fillRef>
+      <a:effectRef idx="0">
+        <a:scrgbClr r="0" g="0" b="0"/>
+      </a:effectRef>
+      <a:fontRef idx="minor"/>
+    </dgm:style>
+  </dgm:styleLbl>
+  <dgm:styleLbl name="parChTrans1D4">
+    <dgm:scene3d>
+      <a:camera prst="orthographicFront"/>
+      <a:lightRig rig="threePt" dir="t"/>
+    </dgm:scene3d>
+    <dgm:sp3d/>
+    <dgm:txPr/>
+    <dgm:style>
+      <a:lnRef idx="2">
+        <a:scrgbClr r="0" g="0" b="0"/>
+      </a:lnRef>
+      <a:fillRef idx="0">
+        <a:scrgbClr r="0" g="0" b="0"/>
+      </a:fillRef>
+      <a:effectRef idx="0">
+        <a:scrgbClr r="0" g="0" b="0"/>
+      </a:effectRef>
+      <a:fontRef idx="minor"/>
+    </dgm:style>
+  </dgm:styleLbl>
+  <dgm:styleLbl name="fgAcc1">
+    <dgm:scene3d>
+      <a:camera prst="orthographicFront"/>
+      <a:lightRig rig="threePt" dir="t"/>
+    </dgm:scene3d>
+    <dgm:sp3d/>
+    <dgm:txPr/>
+    <dgm:style>
+      <a:lnRef idx="2">
+        <a:scrgbClr r="0" g="0" b="0"/>
+      </a:lnRef>
+      <a:fillRef idx="1">
+        <a:scrgbClr r="0" g="0" b="0"/>
+      </a:fillRef>
+      <a:effectRef idx="0">
+        <a:scrgbClr r="0" g="0" b="0"/>
+      </a:effectRef>
+      <a:fontRef idx="minor"/>
+    </dgm:style>
+  </dgm:styleLbl>
+  <dgm:styleLbl name="conFgAcc1">
+    <dgm:scene3d>
+      <a:camera prst="orthographicFront"/>
+      <a:lightRig rig="threePt" dir="t"/>
+    </dgm:scene3d>
+    <dgm:sp3d/>
+    <dgm:txPr/>
+    <dgm:style>
+      <a:lnRef idx="2">
+        <a:scrgbClr r="0" g="0" b="0"/>
+      </a:lnRef>
+      <a:fillRef idx="1">
+        <a:scrgbClr r="0" g="0" b="0"/>
+      </a:fillRef>
+      <a:effectRef idx="0">
+        <a:scrgbClr r="0" g="0" b="0"/>
+      </a:effectRef>
+      <a:fontRef idx="minor"/>
+    </dgm:style>
+  </dgm:styleLbl>
+  <dgm:styleLbl name="alignAcc1">
+    <dgm:scene3d>
+      <a:camera prst="orthographicFront"/>
+      <a:lightRig rig="threePt" dir="t"/>
+    </dgm:scene3d>
+    <dgm:sp3d/>
+    <dgm:txPr/>
+    <dgm:style>
+      <a:lnRef idx="2">
+        <a:scrgbClr r="0" g="0" b="0"/>
+      </a:lnRef>
+      <a:fillRef idx="1">
+        <a:scrgbClr r="0" g="0" b="0"/>
+      </a:fillRef>
+      <a:effectRef idx="0">
+        <a:scrgbClr r="0" g="0" b="0"/>
+      </a:effectRef>
+      <a:fontRef idx="minor"/>
+    </dgm:style>
+  </dgm:styleLbl>
+  <dgm:styleLbl name="trAlignAcc1">
+    <dgm:scene3d>
+      <a:camera prst="orthographicFront"/>
+      <a:lightRig rig="threePt" dir="t"/>
+    </dgm:scene3d>
+    <dgm:sp3d/>
+    <dgm:txPr/>
+    <dgm:style>
+      <a:lnRef idx="1">
+        <a:scrgbClr r="0" g="0" b="0"/>
+      </a:lnRef>
+      <a:fillRef idx="1">
+        <a:scrgbClr r="0" g="0" b="0"/>
+      </a:fillRef>
+      <a:effectRef idx="0">
+        <a:scrgbClr r="0" g="0" b="0"/>
+      </a:effectRef>
+      <a:fontRef idx="minor"/>
+    </dgm:style>
+  </dgm:styleLbl>
+  <dgm:styleLbl name="bgAcc1">
+    <dgm:scene3d>
+      <a:camera prst="orthographicFront"/>
+      <a:lightRig rig="threePt" dir="t"/>
+    </dgm:scene3d>
+    <dgm:sp3d/>
+    <dgm:txPr/>
+    <dgm:style>
+      <a:lnRef idx="2">
+        <a:scrgbClr r="0" g="0" b="0"/>
+      </a:lnRef>
+      <a:fillRef idx="1">
+        <a:scrgbClr r="0" g="0" b="0"/>
+      </a:fillRef>
+      <a:effectRef idx="0">
+        <a:scrgbClr r="0" g="0" b="0"/>
+      </a:effectRef>
+      <a:fontRef idx="minor"/>
+    </dgm:style>
+  </dgm:styleLbl>
+  <dgm:styleLbl name="solidFgAcc1">
+    <dgm:scene3d>
+      <a:camera prst="orthographicFront"/>
+      <a:lightRig rig="threePt" dir="t"/>
+    </dgm:scene3d>
+    <dgm:sp3d/>
+    <dgm:txPr/>
+    <dgm:style>
+      <a:lnRef idx="2">
+        <a:scrgbClr r="0" g="0" b="0"/>
+      </a:lnRef>
+      <a:fillRef idx="1">
+        <a:scrgbClr r="0" g="0" b="0"/>
+      </a:fillRef>
+      <a:effectRef idx="0">
+        <a:scrgbClr r="0" g="0" b="0"/>
+      </a:effectRef>
+      <a:fontRef idx="minor"/>
+    </dgm:style>
+  </dgm:styleLbl>
+  <dgm:styleLbl name="solidAlignAcc1">
+    <dgm:scene3d>
+      <a:camera prst="orthographicFront"/>
+      <a:lightRig rig="threePt" dir="t"/>
+    </dgm:scene3d>
+    <dgm:sp3d/>
+    <dgm:txPr/>
+    <dgm:style>
+      <a:lnRef idx="2">
+        <a:scrgbClr r="0" g="0" b="0"/>
+      </a:lnRef>
+      <a:fillRef idx="1">
+        <a:scrgbClr r="0" g="0" b="0"/>
+      </a:fillRef>
+      <a:effectRef idx="0">
+        <a:scrgbClr r="0" g="0" b="0"/>
+      </a:effectRef>
+      <a:fontRef idx="minor"/>
+    </dgm:style>
+  </dgm:styleLbl>
+  <dgm:styleLbl name="solidBgAcc1">
+    <dgm:scene3d>
+      <a:camera prst="orthographicFront"/>
+      <a:lightRig rig="threePt" dir="t"/>
+    </dgm:scene3d>
+    <dgm:sp3d/>
+    <dgm:txPr/>
+    <dgm:style>
+      <a:lnRef idx="2">
+        <a:scrgbClr r="0" g="0" b="0"/>
+      </a:lnRef>
+      <a:fillRef idx="1">
+        <a:scrgbClr r="0" g="0" b="0"/>
+      </a:fillRef>
+      <a:effectRef idx="0">
+        <a:scrgbClr r="0" g="0" b="0"/>
+      </a:effectRef>
+      <a:fontRef idx="minor"/>
+    </dgm:style>
+  </dgm:styleLbl>
+  <dgm:styleLbl name="fgAccFollowNode1">
+    <dgm:scene3d>
+      <a:camera prst="orthographicFront"/>
+      <a:lightRig rig="threePt" dir="t"/>
+    </dgm:scene3d>
+    <dgm:sp3d/>
+    <dgm:txPr/>
+    <dgm:style>
+      <a:lnRef idx="2">
+        <a:scrgbClr r="0" g="0" b="0"/>
+      </a:lnRef>
+      <a:fillRef idx="1">
+        <a:scrgbClr r="0" g="0" b="0"/>
+      </a:fillRef>
+      <a:effectRef idx="0">
+        <a:scrgbClr r="0" g="0" b="0"/>
+      </a:effectRef>
+      <a:fontRef idx="minor"/>
+    </dgm:style>
+  </dgm:styleLbl>
+  <dgm:styleLbl name="alignAccFollowNode1">
+    <dgm:scene3d>
+      <a:camera prst="orthographicFront"/>
+      <a:lightRig rig="threePt" dir="t"/>
+    </dgm:scene3d>
+    <dgm:sp3d/>
+    <dgm:txPr/>
+    <dgm:style>
+      <a:lnRef idx="2">
+        <a:scrgbClr r="0" g="0" b="0"/>
+      </a:lnRef>
+      <a:fillRef idx="1">
+        <a:scrgbClr r="0" g="0" b="0"/>
+      </a:fillRef>
+      <a:effectRef idx="0">
+        <a:scrgbClr r="0" g="0" b="0"/>
+      </a:effectRef>
+      <a:fontRef idx="minor"/>
+    </dgm:style>
+  </dgm:styleLbl>
+  <dgm:styleLbl name="bgAccFollowNode1">
+    <dgm:scene3d>
+      <a:camera prst="orthographicFront"/>
+      <a:lightRig rig="threePt" dir="t"/>
+    </dgm:scene3d>
+    <dgm:sp3d/>
+    <dgm:txPr/>
+    <dgm:style>
+      <a:lnRef idx="2">
+        <a:scrgbClr r="0" g="0" b="0"/>
+      </a:lnRef>
+      <a:fillRef idx="1">
+        <a:scrgbClr r="0" g="0" b="0"/>
+      </a:fillRef>
+      <a:effectRef idx="0">
+        <a:scrgbClr r="0" g="0" b="0"/>
+      </a:effectRef>
+      <a:fontRef idx="minor"/>
+    </dgm:style>
+  </dgm:styleLbl>
+  <dgm:styleLbl name="fgAcc0">
+    <dgm:scene3d>
+      <a:camera prst="orthographicFront"/>
+      <a:lightRig rig="threePt" dir="t"/>
+    </dgm:scene3d>
+    <dgm:sp3d/>
+    <dgm:txPr/>
+    <dgm:style>
+      <a:lnRef idx="2">
+        <a:scrgbClr r="0" g="0" b="0"/>
+      </a:lnRef>
+      <a:fillRef idx="1">
+        <a:scrgbClr r="0" g="0" b="0"/>
+      </a:fillRef>
+      <a:effectRef idx="0">
+        <a:scrgbClr r="0" g="0" b="0"/>
+      </a:effectRef>
+      <a:fontRef idx="minor"/>
+    </dgm:style>
+  </dgm:styleLbl>
+  <dgm:styleLbl name="fgAcc2">
+    <dgm:scene3d>
+      <a:camera prst="orthographicFront"/>
+      <a:lightRig rig="threePt" dir="t"/>
+    </dgm:scene3d>
+    <dgm:sp3d/>
+    <dgm:txPr/>
+    <dgm:style>
+      <a:lnRef idx="2">
+        <a:scrgbClr r="0" g="0" b="0"/>
+      </a:lnRef>
+      <a:fillRef idx="1">
+        <a:scrgbClr r="0" g="0" b="0"/>
+      </a:fillRef>
+      <a:effectRef idx="0">
+        <a:scrgbClr r="0" g="0" b="0"/>
+      </a:effectRef>
+      <a:fontRef idx="minor"/>
+    </dgm:style>
+  </dgm:styleLbl>
+  <dgm:styleLbl name="fgAcc3">
+    <dgm:scene3d>
+      <a:camera prst="orthographicFront"/>
+      <a:lightRig rig="threePt" dir="t"/>
+    </dgm:scene3d>
+    <dgm:sp3d/>
+    <dgm:txPr/>
+    <dgm:style>
+      <a:lnRef idx="2">
+        <a:scrgbClr r="0" g="0" b="0"/>
+      </a:lnRef>
+      <a:fillRef idx="1">
+        <a:scrgbClr r="0" g="0" b="0"/>
+      </a:fillRef>
+      <a:effectRef idx="0">
+        <a:scrgbClr r="0" g="0" b="0"/>
+      </a:effectRef>
+      <a:fontRef idx="minor"/>
+    </dgm:style>
+  </dgm:styleLbl>
+  <dgm:styleLbl name="fgAcc4">
+    <dgm:scene3d>
+      <a:camera prst="orthographicFront"/>
+      <a:lightRig rig="threePt" dir="t"/>
+    </dgm:scene3d>
+    <dgm:sp3d/>
+    <dgm:txPr/>
+    <dgm:style>
+      <a:lnRef idx="2">
+        <a:scrgbClr r="0" g="0" b="0"/>
+      </a:lnRef>
+      <a:fillRef idx="1">
+        <a:scrgbClr r="0" g="0" b="0"/>
+      </a:fillRef>
+      <a:effectRef idx="0">
+        <a:scrgbClr r="0" g="0" b="0"/>
+      </a:effectRef>
+      <a:fontRef idx="minor"/>
+    </dgm:style>
+  </dgm:styleLbl>
+  <dgm:styleLbl name="bgShp">
+    <dgm:scene3d>
+      <a:camera prst="orthographicFront"/>
+      <a:lightRig rig="threePt" dir="t"/>
+    </dgm:scene3d>
+    <dgm:sp3d/>
+    <dgm:txPr/>
+    <dgm:style>
+      <a:lnRef idx="0">
+        <a:scrgbClr r="0" g="0" b="0"/>
+      </a:lnRef>
+      <a:fillRef idx="1">
+        <a:scrgbClr r="0" g="0" b="0"/>
+      </a:fillRef>
+      <a:effectRef idx="0">
+        <a:scrgbClr r="0" g="0" b="0"/>
+      </a:effectRef>
+      <a:fontRef idx="minor"/>
+    </dgm:style>
+  </dgm:styleLbl>
+  <dgm:styleLbl name="dkBgShp">
+    <dgm:scene3d>
+      <a:camera prst="orthographicFront"/>
+      <a:lightRig rig="threePt" dir="t"/>
+    </dgm:scene3d>
+    <dgm:sp3d/>
+    <dgm:txPr/>
+    <dgm:style>
+      <a:lnRef idx="0">
+        <a:scrgbClr r="0" g="0" b="0"/>
+      </a:lnRef>
+      <a:fillRef idx="1">
+        <a:scrgbClr r="0" g="0" b="0"/>
+      </a:fillRef>
+      <a:effectRef idx="0">
+        <a:scrgbClr r="0" g="0" b="0"/>
+      </a:effectRef>
+      <a:fontRef idx="minor"/>
+    </dgm:style>
+  </dgm:styleLbl>
+  <dgm:styleLbl name="trBgShp">
+    <dgm:scene3d>
+      <a:camera prst="orthographicFront"/>
+      <a:lightRig rig="threePt" dir="t"/>
+    </dgm:scene3d>
+    <dgm:sp3d/>
+    <dgm:txPr/>
+    <dgm:style>
+      <a:lnRef idx="0">
+        <a:scrgbClr r="0" g="0" b="0"/>
+      </a:lnRef>
+      <a:fillRef idx="1">
+        <a:scrgbClr r="0" g="0" b="0"/>
+      </a:fillRef>
+      <a:effectRef idx="0">
+        <a:scrgbClr r="0" g="0" b="0"/>
+      </a:effectRef>
+      <a:fontRef idx="minor"/>
+    </dgm:style>
+  </dgm:styleLbl>
+  <dgm:styleLbl name="fgShp">
+    <dgm:scene3d>
+      <a:camera prst="orthographicFront"/>
+      <a:lightRig rig="threePt" dir="t"/>
+    </dgm:scene3d>
+    <dgm:sp3d/>
+    <dgm:txPr/>
+    <dgm:style>
+      <a:lnRef idx="2">
+        <a:scrgbClr r="0" g="0" b="0"/>
+      </a:lnRef>
+      <a:fillRef idx="1">
+        <a:scrgbClr r="0" g="0" b="0"/>
+      </a:fillRef>
+      <a:effectRef idx="0">
+        <a:scrgbClr r="0" g="0" b="0"/>
+      </a:effectRef>
+      <a:fontRef idx="minor"/>
+    </dgm:style>
+  </dgm:styleLbl>
+  <dgm:styleLbl name="revTx">
+    <dgm:scene3d>
+      <a:camera prst="orthographicFront"/>
+      <a:lightRig rig="threePt" dir="t"/>
+    </dgm:scene3d>
+    <dgm:sp3d/>
+    <dgm:txPr/>
+    <dgm:style>
+      <a:lnRef idx="0">
+        <a:scrgbClr r="0" g="0" b="0"/>
+      </a:lnRef>
+      <a:fillRef idx="0">
+        <a:scrgbClr r="0" g="0" b="0"/>
+      </a:fillRef>
+      <a:effectRef idx="0">
+        <a:scrgbClr r="0" g="0" b="0"/>
+      </a:effectRef>
+      <a:fontRef idx="minor"/>
+    </dgm:style>
+  </dgm:styleLbl>
+</dgm:styleDef>
+</file>
+
+<file path=ppt/diagrams/quickStyle17.xml><?xml version="1.0" encoding="utf-8"?>
 <dgm:styleDef xmlns:dgm="http://schemas.openxmlformats.org/drawingml/2006/diagram" xmlns:a="http://schemas.openxmlformats.org/drawingml/2006/main" uniqueId="urn:microsoft.com/office/officeart/2005/8/quickstyle/simple1">
   <dgm:title val=""/>
   <dgm:desc val=""/>
@@ -43145,6 +45520,791 @@
 </p:sld>
 </file>
 
+<file path=ppt/slides/slide18.xml><?xml version="1.0" encoding="utf-8"?>
+<p:sld xmlns:a="http://schemas.openxmlformats.org/drawingml/2006/main" xmlns:r="http://schemas.openxmlformats.org/officeDocument/2006/relationships" xmlns:p="http://schemas.openxmlformats.org/presentationml/2006/main">
+  <p:cSld>
+    <p:spTree>
+      <p:nvGrpSpPr>
+        <p:cNvPr id="1" name=""/>
+        <p:cNvGrpSpPr/>
+        <p:nvPr/>
+      </p:nvGrpSpPr>
+      <p:grpSpPr>
+        <a:xfrm>
+          <a:off x="0" y="0"/>
+          <a:ext cx="0" cy="0"/>
+          <a:chOff x="0" y="0"/>
+          <a:chExt cx="0" cy="0"/>
+        </a:xfrm>
+      </p:grpSpPr>
+      <p:pic>
+        <p:nvPicPr>
+          <p:cNvPr id="4" name="Imagem 3"/>
+          <p:cNvPicPr>
+            <a:picLocks noChangeAspect="1"/>
+          </p:cNvPicPr>
+          <p:nvPr/>
+        </p:nvPicPr>
+        <p:blipFill>
+          <a:blip r:embed="rId2">
+            <a:clrChange>
+              <a:clrFrom>
+                <a:srgbClr val="FEFEFE"/>
+              </a:clrFrom>
+              <a:clrTo>
+                <a:srgbClr val="FEFEFE">
+                  <a:alpha val="0"/>
+                </a:srgbClr>
+              </a:clrTo>
+            </a:clrChange>
+          </a:blip>
+          <a:stretch>
+            <a:fillRect/>
+          </a:stretch>
+        </p:blipFill>
+        <p:spPr>
+          <a:xfrm>
+            <a:off x="4174717" y="0"/>
+            <a:ext cx="3430673" cy="1093688"/>
+          </a:xfrm>
+          <a:prstGeom prst="rect">
+            <a:avLst/>
+          </a:prstGeom>
+        </p:spPr>
+      </p:pic>
+      <p:graphicFrame>
+        <p:nvGraphicFramePr>
+          <p:cNvPr id="7" name="Diagrama 6"/>
+          <p:cNvGraphicFramePr/>
+          <p:nvPr/>
+        </p:nvGraphicFramePr>
+        <p:xfrm>
+          <a:off x="1472183" y="1966765"/>
+          <a:ext cx="9789375" cy="2188140"/>
+        </p:xfrm>
+        <a:graphic>
+          <a:graphicData uri="http://schemas.openxmlformats.org/drawingml/2006/diagram">
+            <dgm:relIds xmlns:dgm="http://schemas.openxmlformats.org/drawingml/2006/diagram" xmlns:r="http://schemas.openxmlformats.org/officeDocument/2006/relationships" r:dm="rId3" r:lo="rId4" r:qs="rId5" r:cs="rId6"/>
+          </a:graphicData>
+        </a:graphic>
+      </p:graphicFrame>
+      <p:pic>
+        <p:nvPicPr>
+          <p:cNvPr id="5" name="Imagem 4"/>
+          <p:cNvPicPr>
+            <a:picLocks noChangeAspect="1"/>
+          </p:cNvPicPr>
+          <p:nvPr/>
+        </p:nvPicPr>
+        <p:blipFill>
+          <a:blip r:embed="rId8">
+            <a:clrChange>
+              <a:clrFrom>
+                <a:srgbClr val="F5F5F5"/>
+              </a:clrFrom>
+              <a:clrTo>
+                <a:srgbClr val="F5F5F5">
+                  <a:alpha val="0"/>
+                </a:srgbClr>
+              </a:clrTo>
+            </a:clrChange>
+          </a:blip>
+          <a:stretch>
+            <a:fillRect/>
+          </a:stretch>
+        </p:blipFill>
+        <p:spPr>
+          <a:xfrm>
+            <a:off x="6102174" y="4346622"/>
+            <a:ext cx="3661742" cy="1973394"/>
+          </a:xfrm>
+          <a:prstGeom prst="rect">
+            <a:avLst/>
+          </a:prstGeom>
+        </p:spPr>
+      </p:pic>
+      <p:pic>
+        <p:nvPicPr>
+          <p:cNvPr id="6" name="Imagem 5"/>
+          <p:cNvPicPr>
+            <a:picLocks noChangeAspect="1"/>
+          </p:cNvPicPr>
+          <p:nvPr/>
+        </p:nvPicPr>
+        <p:blipFill>
+          <a:blip r:embed="rId9">
+            <a:clrChange>
+              <a:clrFrom>
+                <a:srgbClr val="F5F5F5"/>
+              </a:clrFrom>
+              <a:clrTo>
+                <a:srgbClr val="F5F5F5">
+                  <a:alpha val="0"/>
+                </a:srgbClr>
+              </a:clrTo>
+            </a:clrChange>
+          </a:blip>
+          <a:stretch>
+            <a:fillRect/>
+          </a:stretch>
+        </p:blipFill>
+        <p:spPr>
+          <a:xfrm>
+            <a:off x="2674388" y="4281224"/>
+            <a:ext cx="3000657" cy="2038792"/>
+          </a:xfrm>
+          <a:prstGeom prst="rect">
+            <a:avLst/>
+          </a:prstGeom>
+        </p:spPr>
+      </p:pic>
+    </p:spTree>
+    <p:extLst>
+      <p:ext uri="{BB962C8B-B14F-4D97-AF65-F5344CB8AC3E}">
+        <p14:creationId xmlns:p14="http://schemas.microsoft.com/office/powerpoint/2010/main" val="980913393"/>
+      </p:ext>
+    </p:extLst>
+  </p:cSld>
+  <p:clrMapOvr>
+    <a:masterClrMapping/>
+  </p:clrMapOvr>
+  <mc:AlternateContent xmlns:mc="http://schemas.openxmlformats.org/markup-compatibility/2006">
+    <mc:Choice xmlns:p14="http://schemas.microsoft.com/office/powerpoint/2010/main" Requires="p14">
+      <p:transition spd="med" p14:dur="700">
+        <p:fade/>
+      </p:transition>
+    </mc:Choice>
+    <mc:Fallback>
+      <p:transition spd="med">
+        <p:fade/>
+      </p:transition>
+    </mc:Fallback>
+  </mc:AlternateContent>
+  <p:timing>
+    <p:tnLst>
+      <p:par>
+        <p:cTn id="1" dur="indefinite" restart="never" nodeType="tmRoot">
+          <p:childTnLst>
+            <p:seq concurrent="1" nextAc="seek">
+              <p:cTn id="2" dur="indefinite" nodeType="mainSeq">
+                <p:childTnLst>
+                  <p:par>
+                    <p:cTn id="3" fill="hold">
+                      <p:stCondLst>
+                        <p:cond delay="indefinite"/>
+                      </p:stCondLst>
+                      <p:childTnLst>
+                        <p:par>
+                          <p:cTn id="4" fill="hold">
+                            <p:stCondLst>
+                              <p:cond delay="0"/>
+                            </p:stCondLst>
+                            <p:childTnLst>
+                              <p:par>
+                                <p:cTn id="5" presetID="26" presetClass="entr" presetSubtype="0" fill="hold" nodeType="clickEffect">
+                                  <p:stCondLst>
+                                    <p:cond delay="0"/>
+                                  </p:stCondLst>
+                                  <p:childTnLst>
+                                    <p:set>
+                                      <p:cBhvr>
+                                        <p:cTn id="6" dur="1" fill="hold">
+                                          <p:stCondLst>
+                                            <p:cond delay="0"/>
+                                          </p:stCondLst>
+                                        </p:cTn>
+                                        <p:tgtEl>
+                                          <p:spTgt spid="6"/>
+                                        </p:tgtEl>
+                                        <p:attrNameLst>
+                                          <p:attrName>style.visibility</p:attrName>
+                                        </p:attrNameLst>
+                                      </p:cBhvr>
+                                      <p:to>
+                                        <p:strVal val="visible"/>
+                                      </p:to>
+                                    </p:set>
+                                    <p:animEffect transition="in" filter="wipe(down)">
+                                      <p:cBhvr>
+                                        <p:cTn id="7" dur="580">
+                                          <p:stCondLst>
+                                            <p:cond delay="0"/>
+                                          </p:stCondLst>
+                                        </p:cTn>
+                                        <p:tgtEl>
+                                          <p:spTgt spid="6"/>
+                                        </p:tgtEl>
+                                      </p:cBhvr>
+                                    </p:animEffect>
+                                    <p:anim calcmode="lin" valueType="num">
+                                      <p:cBhvr>
+                                        <p:cTn id="8" dur="1822" tmFilter="0,0; 0.14,0.36; 0.43,0.73; 0.71,0.91; 1.0,1.0">
+                                          <p:stCondLst>
+                                            <p:cond delay="0"/>
+                                          </p:stCondLst>
+                                        </p:cTn>
+                                        <p:tgtEl>
+                                          <p:spTgt spid="6"/>
+                                        </p:tgtEl>
+                                        <p:attrNameLst>
+                                          <p:attrName>ppt_x</p:attrName>
+                                        </p:attrNameLst>
+                                      </p:cBhvr>
+                                      <p:tavLst>
+                                        <p:tav tm="0">
+                                          <p:val>
+                                            <p:strVal val="#ppt_x-0.25"/>
+                                          </p:val>
+                                        </p:tav>
+                                        <p:tav tm="100000">
+                                          <p:val>
+                                            <p:strVal val="#ppt_x"/>
+                                          </p:val>
+                                        </p:tav>
+                                      </p:tavLst>
+                                    </p:anim>
+                                    <p:anim calcmode="lin" valueType="num">
+                                      <p:cBhvr>
+                                        <p:cTn id="9" dur="664" tmFilter="0.0,0.0; 0.25,0.07; 0.50,0.2; 0.75,0.467; 1.0,1.0">
+                                          <p:stCondLst>
+                                            <p:cond delay="0"/>
+                                          </p:stCondLst>
+                                        </p:cTn>
+                                        <p:tgtEl>
+                                          <p:spTgt spid="6"/>
+                                        </p:tgtEl>
+                                        <p:attrNameLst>
+                                          <p:attrName>ppt_y</p:attrName>
+                                        </p:attrNameLst>
+                                      </p:cBhvr>
+                                      <p:tavLst>
+                                        <p:tav tm="0" fmla="#ppt_y-sin(pi*$)/3">
+                                          <p:val>
+                                            <p:fltVal val="0.5"/>
+                                          </p:val>
+                                        </p:tav>
+                                        <p:tav tm="100000">
+                                          <p:val>
+                                            <p:fltVal val="1"/>
+                                          </p:val>
+                                        </p:tav>
+                                      </p:tavLst>
+                                    </p:anim>
+                                    <p:anim calcmode="lin" valueType="num">
+                                      <p:cBhvr>
+                                        <p:cTn id="10" dur="664" tmFilter="0, 0; 0.125,0.2665; 0.25,0.4; 0.375,0.465; 0.5,0.5;  0.625,0.535; 0.75,0.6; 0.875,0.7335; 1,1">
+                                          <p:stCondLst>
+                                            <p:cond delay="664"/>
+                                          </p:stCondLst>
+                                        </p:cTn>
+                                        <p:tgtEl>
+                                          <p:spTgt spid="6"/>
+                                        </p:tgtEl>
+                                        <p:attrNameLst>
+                                          <p:attrName>ppt_y</p:attrName>
+                                        </p:attrNameLst>
+                                      </p:cBhvr>
+                                      <p:tavLst>
+                                        <p:tav tm="0" fmla="#ppt_y-sin(pi*$)/9">
+                                          <p:val>
+                                            <p:fltVal val="0"/>
+                                          </p:val>
+                                        </p:tav>
+                                        <p:tav tm="100000">
+                                          <p:val>
+                                            <p:fltVal val="1"/>
+                                          </p:val>
+                                        </p:tav>
+                                      </p:tavLst>
+                                    </p:anim>
+                                    <p:anim calcmode="lin" valueType="num">
+                                      <p:cBhvr>
+                                        <p:cTn id="11" dur="332" tmFilter="0, 0; 0.125,0.2665; 0.25,0.4; 0.375,0.465; 0.5,0.5;  0.625,0.535; 0.75,0.6; 0.875,0.7335; 1,1">
+                                          <p:stCondLst>
+                                            <p:cond delay="1324"/>
+                                          </p:stCondLst>
+                                        </p:cTn>
+                                        <p:tgtEl>
+                                          <p:spTgt spid="6"/>
+                                        </p:tgtEl>
+                                        <p:attrNameLst>
+                                          <p:attrName>ppt_y</p:attrName>
+                                        </p:attrNameLst>
+                                      </p:cBhvr>
+                                      <p:tavLst>
+                                        <p:tav tm="0" fmla="#ppt_y-sin(pi*$)/27">
+                                          <p:val>
+                                            <p:fltVal val="0"/>
+                                          </p:val>
+                                        </p:tav>
+                                        <p:tav tm="100000">
+                                          <p:val>
+                                            <p:fltVal val="1"/>
+                                          </p:val>
+                                        </p:tav>
+                                      </p:tavLst>
+                                    </p:anim>
+                                    <p:anim calcmode="lin" valueType="num">
+                                      <p:cBhvr>
+                                        <p:cTn id="12" dur="164" tmFilter="0, 0; 0.125,0.2665; 0.25,0.4; 0.375,0.465; 0.5,0.5;  0.625,0.535; 0.75,0.6; 0.875,0.7335; 1,1">
+                                          <p:stCondLst>
+                                            <p:cond delay="1656"/>
+                                          </p:stCondLst>
+                                        </p:cTn>
+                                        <p:tgtEl>
+                                          <p:spTgt spid="6"/>
+                                        </p:tgtEl>
+                                        <p:attrNameLst>
+                                          <p:attrName>ppt_y</p:attrName>
+                                        </p:attrNameLst>
+                                      </p:cBhvr>
+                                      <p:tavLst>
+                                        <p:tav tm="0" fmla="#ppt_y-sin(pi*$)/81">
+                                          <p:val>
+                                            <p:fltVal val="0"/>
+                                          </p:val>
+                                        </p:tav>
+                                        <p:tav tm="100000">
+                                          <p:val>
+                                            <p:fltVal val="1"/>
+                                          </p:val>
+                                        </p:tav>
+                                      </p:tavLst>
+                                    </p:anim>
+                                    <p:animScale>
+                                      <p:cBhvr>
+                                        <p:cTn id="13" dur="26">
+                                          <p:stCondLst>
+                                            <p:cond delay="650"/>
+                                          </p:stCondLst>
+                                        </p:cTn>
+                                        <p:tgtEl>
+                                          <p:spTgt spid="6"/>
+                                        </p:tgtEl>
+                                      </p:cBhvr>
+                                      <p:to x="100000" y="60000"/>
+                                    </p:animScale>
+                                    <p:animScale>
+                                      <p:cBhvr>
+                                        <p:cTn id="14" dur="166" decel="50000">
+                                          <p:stCondLst>
+                                            <p:cond delay="676"/>
+                                          </p:stCondLst>
+                                        </p:cTn>
+                                        <p:tgtEl>
+                                          <p:spTgt spid="6"/>
+                                        </p:tgtEl>
+                                      </p:cBhvr>
+                                      <p:to x="100000" y="100000"/>
+                                    </p:animScale>
+                                    <p:animScale>
+                                      <p:cBhvr>
+                                        <p:cTn id="15" dur="26">
+                                          <p:stCondLst>
+                                            <p:cond delay="1312"/>
+                                          </p:stCondLst>
+                                        </p:cTn>
+                                        <p:tgtEl>
+                                          <p:spTgt spid="6"/>
+                                        </p:tgtEl>
+                                      </p:cBhvr>
+                                      <p:to x="100000" y="80000"/>
+                                    </p:animScale>
+                                    <p:animScale>
+                                      <p:cBhvr>
+                                        <p:cTn id="16" dur="166" decel="50000">
+                                          <p:stCondLst>
+                                            <p:cond delay="1338"/>
+                                          </p:stCondLst>
+                                        </p:cTn>
+                                        <p:tgtEl>
+                                          <p:spTgt spid="6"/>
+                                        </p:tgtEl>
+                                      </p:cBhvr>
+                                      <p:to x="100000" y="100000"/>
+                                    </p:animScale>
+                                    <p:animScale>
+                                      <p:cBhvr>
+                                        <p:cTn id="17" dur="26">
+                                          <p:stCondLst>
+                                            <p:cond delay="1642"/>
+                                          </p:stCondLst>
+                                        </p:cTn>
+                                        <p:tgtEl>
+                                          <p:spTgt spid="6"/>
+                                        </p:tgtEl>
+                                      </p:cBhvr>
+                                      <p:to x="100000" y="90000"/>
+                                    </p:animScale>
+                                    <p:animScale>
+                                      <p:cBhvr>
+                                        <p:cTn id="18" dur="166" decel="50000">
+                                          <p:stCondLst>
+                                            <p:cond delay="1668"/>
+                                          </p:stCondLst>
+                                        </p:cTn>
+                                        <p:tgtEl>
+                                          <p:spTgt spid="6"/>
+                                        </p:tgtEl>
+                                      </p:cBhvr>
+                                      <p:to x="100000" y="100000"/>
+                                    </p:animScale>
+                                    <p:animScale>
+                                      <p:cBhvr>
+                                        <p:cTn id="19" dur="26">
+                                          <p:stCondLst>
+                                            <p:cond delay="1808"/>
+                                          </p:stCondLst>
+                                        </p:cTn>
+                                        <p:tgtEl>
+                                          <p:spTgt spid="6"/>
+                                        </p:tgtEl>
+                                      </p:cBhvr>
+                                      <p:to x="100000" y="95000"/>
+                                    </p:animScale>
+                                    <p:animScale>
+                                      <p:cBhvr>
+                                        <p:cTn id="20" dur="166" decel="50000">
+                                          <p:stCondLst>
+                                            <p:cond delay="1834"/>
+                                          </p:stCondLst>
+                                        </p:cTn>
+                                        <p:tgtEl>
+                                          <p:spTgt spid="6"/>
+                                        </p:tgtEl>
+                                      </p:cBhvr>
+                                      <p:to x="100000" y="100000"/>
+                                    </p:animScale>
+                                  </p:childTnLst>
+                                </p:cTn>
+                              </p:par>
+                            </p:childTnLst>
+                          </p:cTn>
+                        </p:par>
+                      </p:childTnLst>
+                    </p:cTn>
+                  </p:par>
+                  <p:par>
+                    <p:cTn id="21" fill="hold">
+                      <p:stCondLst>
+                        <p:cond delay="indefinite"/>
+                      </p:stCondLst>
+                      <p:childTnLst>
+                        <p:par>
+                          <p:cTn id="22" fill="hold">
+                            <p:stCondLst>
+                              <p:cond delay="0"/>
+                            </p:stCondLst>
+                            <p:childTnLst>
+                              <p:par>
+                                <p:cTn id="23" presetID="26" presetClass="entr" presetSubtype="0" fill="hold" nodeType="clickEffect">
+                                  <p:stCondLst>
+                                    <p:cond delay="0"/>
+                                  </p:stCondLst>
+                                  <p:childTnLst>
+                                    <p:set>
+                                      <p:cBhvr>
+                                        <p:cTn id="24" dur="1" fill="hold">
+                                          <p:stCondLst>
+                                            <p:cond delay="0"/>
+                                          </p:stCondLst>
+                                        </p:cTn>
+                                        <p:tgtEl>
+                                          <p:spTgt spid="5"/>
+                                        </p:tgtEl>
+                                        <p:attrNameLst>
+                                          <p:attrName>style.visibility</p:attrName>
+                                        </p:attrNameLst>
+                                      </p:cBhvr>
+                                      <p:to>
+                                        <p:strVal val="visible"/>
+                                      </p:to>
+                                    </p:set>
+                                    <p:animEffect transition="in" filter="wipe(down)">
+                                      <p:cBhvr>
+                                        <p:cTn id="25" dur="580">
+                                          <p:stCondLst>
+                                            <p:cond delay="0"/>
+                                          </p:stCondLst>
+                                        </p:cTn>
+                                        <p:tgtEl>
+                                          <p:spTgt spid="5"/>
+                                        </p:tgtEl>
+                                      </p:cBhvr>
+                                    </p:animEffect>
+                                    <p:anim calcmode="lin" valueType="num">
+                                      <p:cBhvr>
+                                        <p:cTn id="26" dur="1822" tmFilter="0,0; 0.14,0.36; 0.43,0.73; 0.71,0.91; 1.0,1.0">
+                                          <p:stCondLst>
+                                            <p:cond delay="0"/>
+                                          </p:stCondLst>
+                                        </p:cTn>
+                                        <p:tgtEl>
+                                          <p:spTgt spid="5"/>
+                                        </p:tgtEl>
+                                        <p:attrNameLst>
+                                          <p:attrName>ppt_x</p:attrName>
+                                        </p:attrNameLst>
+                                      </p:cBhvr>
+                                      <p:tavLst>
+                                        <p:tav tm="0">
+                                          <p:val>
+                                            <p:strVal val="#ppt_x-0.25"/>
+                                          </p:val>
+                                        </p:tav>
+                                        <p:tav tm="100000">
+                                          <p:val>
+                                            <p:strVal val="#ppt_x"/>
+                                          </p:val>
+                                        </p:tav>
+                                      </p:tavLst>
+                                    </p:anim>
+                                    <p:anim calcmode="lin" valueType="num">
+                                      <p:cBhvr>
+                                        <p:cTn id="27" dur="664" tmFilter="0.0,0.0; 0.25,0.07; 0.50,0.2; 0.75,0.467; 1.0,1.0">
+                                          <p:stCondLst>
+                                            <p:cond delay="0"/>
+                                          </p:stCondLst>
+                                        </p:cTn>
+                                        <p:tgtEl>
+                                          <p:spTgt spid="5"/>
+                                        </p:tgtEl>
+                                        <p:attrNameLst>
+                                          <p:attrName>ppt_y</p:attrName>
+                                        </p:attrNameLst>
+                                      </p:cBhvr>
+                                      <p:tavLst>
+                                        <p:tav tm="0" fmla="#ppt_y-sin(pi*$)/3">
+                                          <p:val>
+                                            <p:fltVal val="0.5"/>
+                                          </p:val>
+                                        </p:tav>
+                                        <p:tav tm="100000">
+                                          <p:val>
+                                            <p:fltVal val="1"/>
+                                          </p:val>
+                                        </p:tav>
+                                      </p:tavLst>
+                                    </p:anim>
+                                    <p:anim calcmode="lin" valueType="num">
+                                      <p:cBhvr>
+                                        <p:cTn id="28" dur="664" tmFilter="0, 0; 0.125,0.2665; 0.25,0.4; 0.375,0.465; 0.5,0.5;  0.625,0.535; 0.75,0.6; 0.875,0.7335; 1,1">
+                                          <p:stCondLst>
+                                            <p:cond delay="664"/>
+                                          </p:stCondLst>
+                                        </p:cTn>
+                                        <p:tgtEl>
+                                          <p:spTgt spid="5"/>
+                                        </p:tgtEl>
+                                        <p:attrNameLst>
+                                          <p:attrName>ppt_y</p:attrName>
+                                        </p:attrNameLst>
+                                      </p:cBhvr>
+                                      <p:tavLst>
+                                        <p:tav tm="0" fmla="#ppt_y-sin(pi*$)/9">
+                                          <p:val>
+                                            <p:fltVal val="0"/>
+                                          </p:val>
+                                        </p:tav>
+                                        <p:tav tm="100000">
+                                          <p:val>
+                                            <p:fltVal val="1"/>
+                                          </p:val>
+                                        </p:tav>
+                                      </p:tavLst>
+                                    </p:anim>
+                                    <p:anim calcmode="lin" valueType="num">
+                                      <p:cBhvr>
+                                        <p:cTn id="29" dur="332" tmFilter="0, 0; 0.125,0.2665; 0.25,0.4; 0.375,0.465; 0.5,0.5;  0.625,0.535; 0.75,0.6; 0.875,0.7335; 1,1">
+                                          <p:stCondLst>
+                                            <p:cond delay="1324"/>
+                                          </p:stCondLst>
+                                        </p:cTn>
+                                        <p:tgtEl>
+                                          <p:spTgt spid="5"/>
+                                        </p:tgtEl>
+                                        <p:attrNameLst>
+                                          <p:attrName>ppt_y</p:attrName>
+                                        </p:attrNameLst>
+                                      </p:cBhvr>
+                                      <p:tavLst>
+                                        <p:tav tm="0" fmla="#ppt_y-sin(pi*$)/27">
+                                          <p:val>
+                                            <p:fltVal val="0"/>
+                                          </p:val>
+                                        </p:tav>
+                                        <p:tav tm="100000">
+                                          <p:val>
+                                            <p:fltVal val="1"/>
+                                          </p:val>
+                                        </p:tav>
+                                      </p:tavLst>
+                                    </p:anim>
+                                    <p:anim calcmode="lin" valueType="num">
+                                      <p:cBhvr>
+                                        <p:cTn id="30" dur="164" tmFilter="0, 0; 0.125,0.2665; 0.25,0.4; 0.375,0.465; 0.5,0.5;  0.625,0.535; 0.75,0.6; 0.875,0.7335; 1,1">
+                                          <p:stCondLst>
+                                            <p:cond delay="1656"/>
+                                          </p:stCondLst>
+                                        </p:cTn>
+                                        <p:tgtEl>
+                                          <p:spTgt spid="5"/>
+                                        </p:tgtEl>
+                                        <p:attrNameLst>
+                                          <p:attrName>ppt_y</p:attrName>
+                                        </p:attrNameLst>
+                                      </p:cBhvr>
+                                      <p:tavLst>
+                                        <p:tav tm="0" fmla="#ppt_y-sin(pi*$)/81">
+                                          <p:val>
+                                            <p:fltVal val="0"/>
+                                          </p:val>
+                                        </p:tav>
+                                        <p:tav tm="100000">
+                                          <p:val>
+                                            <p:fltVal val="1"/>
+                                          </p:val>
+                                        </p:tav>
+                                      </p:tavLst>
+                                    </p:anim>
+                                    <p:animScale>
+                                      <p:cBhvr>
+                                        <p:cTn id="31" dur="26">
+                                          <p:stCondLst>
+                                            <p:cond delay="650"/>
+                                          </p:stCondLst>
+                                        </p:cTn>
+                                        <p:tgtEl>
+                                          <p:spTgt spid="5"/>
+                                        </p:tgtEl>
+                                      </p:cBhvr>
+                                      <p:to x="100000" y="60000"/>
+                                    </p:animScale>
+                                    <p:animScale>
+                                      <p:cBhvr>
+                                        <p:cTn id="32" dur="166" decel="50000">
+                                          <p:stCondLst>
+                                            <p:cond delay="676"/>
+                                          </p:stCondLst>
+                                        </p:cTn>
+                                        <p:tgtEl>
+                                          <p:spTgt spid="5"/>
+                                        </p:tgtEl>
+                                      </p:cBhvr>
+                                      <p:to x="100000" y="100000"/>
+                                    </p:animScale>
+                                    <p:animScale>
+                                      <p:cBhvr>
+                                        <p:cTn id="33" dur="26">
+                                          <p:stCondLst>
+                                            <p:cond delay="1312"/>
+                                          </p:stCondLst>
+                                        </p:cTn>
+                                        <p:tgtEl>
+                                          <p:spTgt spid="5"/>
+                                        </p:tgtEl>
+                                      </p:cBhvr>
+                                      <p:to x="100000" y="80000"/>
+                                    </p:animScale>
+                                    <p:animScale>
+                                      <p:cBhvr>
+                                        <p:cTn id="34" dur="166" decel="50000">
+                                          <p:stCondLst>
+                                            <p:cond delay="1338"/>
+                                          </p:stCondLst>
+                                        </p:cTn>
+                                        <p:tgtEl>
+                                          <p:spTgt spid="5"/>
+                                        </p:tgtEl>
+                                      </p:cBhvr>
+                                      <p:to x="100000" y="100000"/>
+                                    </p:animScale>
+                                    <p:animScale>
+                                      <p:cBhvr>
+                                        <p:cTn id="35" dur="26">
+                                          <p:stCondLst>
+                                            <p:cond delay="1642"/>
+                                          </p:stCondLst>
+                                        </p:cTn>
+                                        <p:tgtEl>
+                                          <p:spTgt spid="5"/>
+                                        </p:tgtEl>
+                                      </p:cBhvr>
+                                      <p:to x="100000" y="90000"/>
+                                    </p:animScale>
+                                    <p:animScale>
+                                      <p:cBhvr>
+                                        <p:cTn id="36" dur="166" decel="50000">
+                                          <p:stCondLst>
+                                            <p:cond delay="1668"/>
+                                          </p:stCondLst>
+                                        </p:cTn>
+                                        <p:tgtEl>
+                                          <p:spTgt spid="5"/>
+                                        </p:tgtEl>
+                                      </p:cBhvr>
+                                      <p:to x="100000" y="100000"/>
+                                    </p:animScale>
+                                    <p:animScale>
+                                      <p:cBhvr>
+                                        <p:cTn id="37" dur="26">
+                                          <p:stCondLst>
+                                            <p:cond delay="1808"/>
+                                          </p:stCondLst>
+                                        </p:cTn>
+                                        <p:tgtEl>
+                                          <p:spTgt spid="5"/>
+                                        </p:tgtEl>
+                                      </p:cBhvr>
+                                      <p:to x="100000" y="95000"/>
+                                    </p:animScale>
+                                    <p:animScale>
+                                      <p:cBhvr>
+                                        <p:cTn id="38" dur="166" decel="50000">
+                                          <p:stCondLst>
+                                            <p:cond delay="1834"/>
+                                          </p:stCondLst>
+                                        </p:cTn>
+                                        <p:tgtEl>
+                                          <p:spTgt spid="5"/>
+                                        </p:tgtEl>
+                                      </p:cBhvr>
+                                      <p:to x="100000" y="100000"/>
+                                    </p:animScale>
+                                  </p:childTnLst>
+                                </p:cTn>
+                              </p:par>
+                            </p:childTnLst>
+                          </p:cTn>
+                        </p:par>
+                      </p:childTnLst>
+                    </p:cTn>
+                  </p:par>
+                </p:childTnLst>
+              </p:cTn>
+              <p:prevCondLst>
+                <p:cond evt="onPrev" delay="0">
+                  <p:tgtEl>
+                    <p:sldTgt/>
+                  </p:tgtEl>
+                </p:cond>
+              </p:prevCondLst>
+              <p:nextCondLst>
+                <p:cond evt="onNext" delay="0">
+                  <p:tgtEl>
+                    <p:sldTgt/>
+                  </p:tgtEl>
+                </p:cond>
+              </p:nextCondLst>
+            </p:seq>
+          </p:childTnLst>
+        </p:cTn>
+      </p:par>
+    </p:tnLst>
+  </p:timing>
+</p:sld>
+</file>
+
 <file path=ppt/slides/slide2.xml><?xml version="1.0" encoding="utf-8"?>
 <p:sld xmlns:a="http://schemas.openxmlformats.org/drawingml/2006/main" xmlns:r="http://schemas.openxmlformats.org/officeDocument/2006/relationships" xmlns:p="http://schemas.openxmlformats.org/presentationml/2006/main">
   <p:cSld>
